--- a/Speaker Recognition.pptx
+++ b/Speaker Recognition.pptx
@@ -274,7 +274,7 @@
           <a:p>
             <a:fld id="{DC801E4C-3028-44DF-8906-7D85A0669A03}" type="datetimeFigureOut">
               <a:rPr lang="zh-CN" altLang="en-US" smtClean="0"/>
-              <a:t>2023/11/30</a:t>
+              <a:t>2023/12/1</a:t>
             </a:fld>
             <a:endParaRPr lang="zh-CN" altLang="en-US"/>
           </a:p>
@@ -474,7 +474,7 @@
           <a:p>
             <a:fld id="{DC801E4C-3028-44DF-8906-7D85A0669A03}" type="datetimeFigureOut">
               <a:rPr lang="zh-CN" altLang="en-US" smtClean="0"/>
-              <a:t>2023/11/30</a:t>
+              <a:t>2023/12/1</a:t>
             </a:fld>
             <a:endParaRPr lang="zh-CN" altLang="en-US"/>
           </a:p>
@@ -684,7 +684,7 @@
           <a:p>
             <a:fld id="{DC801E4C-3028-44DF-8906-7D85A0669A03}" type="datetimeFigureOut">
               <a:rPr lang="zh-CN" altLang="en-US" smtClean="0"/>
-              <a:t>2023/11/30</a:t>
+              <a:t>2023/12/1</a:t>
             </a:fld>
             <a:endParaRPr lang="zh-CN" altLang="en-US"/>
           </a:p>
@@ -884,7 +884,7 @@
           <a:p>
             <a:fld id="{DC801E4C-3028-44DF-8906-7D85A0669A03}" type="datetimeFigureOut">
               <a:rPr lang="zh-CN" altLang="en-US" smtClean="0"/>
-              <a:t>2023/11/30</a:t>
+              <a:t>2023/12/1</a:t>
             </a:fld>
             <a:endParaRPr lang="zh-CN" altLang="en-US"/>
           </a:p>
@@ -1160,7 +1160,7 @@
           <a:p>
             <a:fld id="{DC801E4C-3028-44DF-8906-7D85A0669A03}" type="datetimeFigureOut">
               <a:rPr lang="zh-CN" altLang="en-US" smtClean="0"/>
-              <a:t>2023/11/30</a:t>
+              <a:t>2023/12/1</a:t>
             </a:fld>
             <a:endParaRPr lang="zh-CN" altLang="en-US"/>
           </a:p>
@@ -1428,7 +1428,7 @@
           <a:p>
             <a:fld id="{DC801E4C-3028-44DF-8906-7D85A0669A03}" type="datetimeFigureOut">
               <a:rPr lang="zh-CN" altLang="en-US" smtClean="0"/>
-              <a:t>2023/11/30</a:t>
+              <a:t>2023/12/1</a:t>
             </a:fld>
             <a:endParaRPr lang="zh-CN" altLang="en-US"/>
           </a:p>
@@ -1843,7 +1843,7 @@
           <a:p>
             <a:fld id="{DC801E4C-3028-44DF-8906-7D85A0669A03}" type="datetimeFigureOut">
               <a:rPr lang="zh-CN" altLang="en-US" smtClean="0"/>
-              <a:t>2023/11/30</a:t>
+              <a:t>2023/12/1</a:t>
             </a:fld>
             <a:endParaRPr lang="zh-CN" altLang="en-US"/>
           </a:p>
@@ -1985,7 +1985,7 @@
           <a:p>
             <a:fld id="{DC801E4C-3028-44DF-8906-7D85A0669A03}" type="datetimeFigureOut">
               <a:rPr lang="zh-CN" altLang="en-US" smtClean="0"/>
-              <a:t>2023/11/30</a:t>
+              <a:t>2023/12/1</a:t>
             </a:fld>
             <a:endParaRPr lang="zh-CN" altLang="en-US"/>
           </a:p>
@@ -2098,7 +2098,7 @@
           <a:p>
             <a:fld id="{DC801E4C-3028-44DF-8906-7D85A0669A03}" type="datetimeFigureOut">
               <a:rPr lang="zh-CN" altLang="en-US" smtClean="0"/>
-              <a:t>2023/11/30</a:t>
+              <a:t>2023/12/1</a:t>
             </a:fld>
             <a:endParaRPr lang="zh-CN" altLang="en-US"/>
           </a:p>
@@ -2411,7 +2411,7 @@
           <a:p>
             <a:fld id="{DC801E4C-3028-44DF-8906-7D85A0669A03}" type="datetimeFigureOut">
               <a:rPr lang="zh-CN" altLang="en-US" smtClean="0"/>
-              <a:t>2023/11/30</a:t>
+              <a:t>2023/12/1</a:t>
             </a:fld>
             <a:endParaRPr lang="zh-CN" altLang="en-US"/>
           </a:p>
@@ -2700,7 +2700,7 @@
           <a:p>
             <a:fld id="{DC801E4C-3028-44DF-8906-7D85A0669A03}" type="datetimeFigureOut">
               <a:rPr lang="zh-CN" altLang="en-US" smtClean="0"/>
-              <a:t>2023/11/30</a:t>
+              <a:t>2023/12/1</a:t>
             </a:fld>
             <a:endParaRPr lang="zh-CN" altLang="en-US"/>
           </a:p>
@@ -2943,7 +2943,7 @@
           <a:p>
             <a:fld id="{DC801E4C-3028-44DF-8906-7D85A0669A03}" type="datetimeFigureOut">
               <a:rPr lang="zh-CN" altLang="en-US" smtClean="0"/>
-              <a:t>2023/11/30</a:t>
+              <a:t>2023/12/1</a:t>
             </a:fld>
             <a:endParaRPr lang="zh-CN" altLang="en-US"/>
           </a:p>
@@ -3626,8 +3626,8 @@
           </a:prstGeom>
         </p:spPr>
       </p:pic>
-      <mc:AlternateContent xmlns:mc="http://schemas.openxmlformats.org/markup-compatibility/2006" xmlns:a14="http://schemas.microsoft.com/office/drawing/2010/main">
-        <mc:Choice Requires="a14">
+      <mc:AlternateContent xmlns:mc="http://schemas.openxmlformats.org/markup-compatibility/2006">
+        <mc:Choice xmlns:a14="http://schemas.microsoft.com/office/drawing/2010/main" Requires="a14">
           <p:sp>
             <p:nvSpPr>
               <p:cNvPr id="6" name="TextBox 5">
@@ -4165,7 +4165,10 @@
                             <m:t>+</m:t>
                           </m:r>
                           <m:r>
-                            <a:rPr lang="zh-CN" altLang="en-US" sz="2400" b="0" i="1">
+                            <a:rPr lang="zh-CN" altLang="en-US" sz="2400" b="0" i="1" smtClean="0">
+                              <a:solidFill>
+                                <a:srgbClr val="00B050"/>
+                              </a:solidFill>
                               <a:latin typeface="Cambria Math" panose="02040503050406030204" pitchFamily="18" charset="0"/>
                             </a:rPr>
                             <m:t>𝜆</m:t>
@@ -4240,7 +4243,7 @@
             </p:txBody>
           </p:sp>
         </mc:Choice>
-        <mc:Fallback xmlns="">
+        <mc:Fallback>
           <p:sp>
             <p:nvSpPr>
               <p:cNvPr id="6" name="TextBox 5">
@@ -7579,6 +7582,38 @@
             </a:r>
           </a:p>
           <a:p>
+            <a:endParaRPr lang="en-CA" altLang="zh-CN" dirty="0"/>
+          </a:p>
+          <a:p>
+            <a:r>
+              <a:rPr lang="en-CA" altLang="zh-CN" dirty="0"/>
+              <a:t>~95% Accuracy in MATLAB</a:t>
+            </a:r>
+            <a:br>
+              <a:rPr lang="en-CA" altLang="zh-CN" dirty="0"/>
+            </a:br>
+            <a:r>
+              <a:rPr lang="en-CA" altLang="zh-CN" dirty="0"/>
+              <a:t>Neural Network </a:t>
+            </a:r>
+            <a:r>
+              <a:rPr lang="en-CA" altLang="zh-CN" dirty="0" err="1"/>
+              <a:t>Patt</a:t>
+            </a:r>
+            <a:r>
+              <a:rPr lang="en-CA" altLang="zh-CN" dirty="0"/>
+              <a:t>. </a:t>
+            </a:r>
+            <a:r>
+              <a:rPr lang="en-CA" altLang="zh-CN" dirty="0" err="1"/>
+              <a:t>Recg</a:t>
+            </a:r>
+            <a:r>
+              <a:rPr lang="en-CA" altLang="zh-CN" dirty="0"/>
+              <a:t>. Toolbox</a:t>
+            </a:r>
+          </a:p>
+          <a:p>
             <a:endParaRPr lang="zh-CN" altLang="en-US" dirty="0"/>
           </a:p>
         </p:txBody>
@@ -7605,7 +7640,7 @@
         </p:blipFill>
         <p:spPr>
           <a:xfrm>
-            <a:off x="6004874" y="453188"/>
+            <a:off x="7109055" y="453188"/>
             <a:ext cx="4607708" cy="5951623"/>
           </a:xfrm>
           <a:prstGeom prst="rect">
@@ -7766,1735 +7801,1622 @@
           </a:p>
         </p:txBody>
       </p:sp>
-      <p:grpSp>
-        <p:nvGrpSpPr>
-          <p:cNvPr id="41" name="Group 40">
-            <a:extLst>
-              <a:ext uri="{FF2B5EF4-FFF2-40B4-BE49-F238E27FC236}">
-                <a16:creationId xmlns:a16="http://schemas.microsoft.com/office/drawing/2014/main" id="{DD1376BA-A677-3D88-6993-C6EC1D6664F7}"/>
-              </a:ext>
-            </a:extLst>
-          </p:cNvPr>
-          <p:cNvGrpSpPr/>
+      <p:cxnSp>
+        <p:nvCxnSpPr>
+          <p:cNvPr id="42" name="Straight Connector 41">
+            <a:extLst>
+              <a:ext uri="{FF2B5EF4-FFF2-40B4-BE49-F238E27FC236}">
+                <a16:creationId xmlns:a16="http://schemas.microsoft.com/office/drawing/2014/main" id="{7394E948-6C8C-C58E-2C7D-FF5F99AB07A5}"/>
+              </a:ext>
+            </a:extLst>
+          </p:cNvPr>
+          <p:cNvCxnSpPr/>
           <p:nvPr/>
-        </p:nvGrpSpPr>
-        <p:grpSpPr>
+        </p:nvCxnSpPr>
+        <p:spPr>
           <a:xfrm>
-            <a:off x="5208186" y="1690688"/>
-            <a:ext cx="5442365" cy="3781422"/>
-            <a:chOff x="1559823" y="2351081"/>
-            <a:chExt cx="5442365" cy="3781422"/>
+            <a:off x="5710843" y="4102577"/>
+            <a:ext cx="0" cy="863600"/>
           </a:xfrm>
-        </p:grpSpPr>
-        <p:cxnSp>
-          <p:nvCxnSpPr>
-            <p:cNvPr id="42" name="Straight Connector 41">
-              <a:extLst>
-                <a:ext uri="{FF2B5EF4-FFF2-40B4-BE49-F238E27FC236}">
-                  <a16:creationId xmlns:a16="http://schemas.microsoft.com/office/drawing/2014/main" id="{7394E948-6C8C-C58E-2C7D-FF5F99AB07A5}"/>
-                </a:ext>
-              </a:extLst>
-            </p:cNvPr>
-            <p:cNvCxnSpPr/>
-            <p:nvPr/>
-          </p:nvCxnSpPr>
-          <p:spPr>
-            <a:xfrm>
-              <a:off x="2062480" y="4762970"/>
-              <a:ext cx="0" cy="863600"/>
-            </a:xfrm>
-            <a:prstGeom prst="line">
-              <a:avLst/>
-            </a:prstGeom>
-            <a:ln w="9525" cap="flat" cmpd="sng" algn="ctr">
-              <a:solidFill>
-                <a:schemeClr val="dk1"/>
-              </a:solidFill>
-              <a:prstDash val="dash"/>
-              <a:round/>
-              <a:headEnd type="none" w="med" len="med"/>
-              <a:tailEnd type="none" w="med" len="med"/>
-            </a:ln>
-          </p:spPr>
-          <p:style>
-            <a:lnRef idx="0">
-              <a:scrgbClr r="0" g="0" b="0"/>
-            </a:lnRef>
-            <a:fillRef idx="0">
-              <a:scrgbClr r="0" g="0" b="0"/>
-            </a:fillRef>
-            <a:effectRef idx="0">
-              <a:scrgbClr r="0" g="0" b="0"/>
-            </a:effectRef>
-            <a:fontRef idx="minor">
-              <a:schemeClr val="tx1"/>
-            </a:fontRef>
-          </p:style>
-        </p:cxnSp>
-        <p:sp>
-          <p:nvSpPr>
-            <p:cNvPr id="43" name="Oval 42">
-              <a:extLst>
-                <a:ext uri="{FF2B5EF4-FFF2-40B4-BE49-F238E27FC236}">
-                  <a16:creationId xmlns:a16="http://schemas.microsoft.com/office/drawing/2014/main" id="{49CC3A7D-3D2C-F3A4-B950-51B4E1D29A43}"/>
-                </a:ext>
-              </a:extLst>
-            </p:cNvPr>
-            <p:cNvSpPr/>
-            <p:nvPr/>
-          </p:nvSpPr>
-          <p:spPr>
-            <a:xfrm>
-              <a:off x="1559823" y="5649900"/>
-              <a:ext cx="1005313" cy="482603"/>
-            </a:xfrm>
-            <a:prstGeom prst="ellipse">
-              <a:avLst/>
-            </a:prstGeom>
+          <a:prstGeom prst="line">
+            <a:avLst/>
+          </a:prstGeom>
+          <a:ln w="9525" cap="flat" cmpd="sng" algn="ctr">
+            <a:solidFill>
+              <a:schemeClr val="dk1"/>
+            </a:solidFill>
+            <a:prstDash val="dash"/>
+            <a:round/>
+            <a:headEnd type="none" w="med" len="med"/>
+            <a:tailEnd type="none" w="med" len="med"/>
+          </a:ln>
+        </p:spPr>
+        <p:style>
+          <a:lnRef idx="0">
+            <a:scrgbClr r="0" g="0" b="0"/>
+          </a:lnRef>
+          <a:fillRef idx="0">
+            <a:scrgbClr r="0" g="0" b="0"/>
+          </a:fillRef>
+          <a:effectRef idx="0">
+            <a:scrgbClr r="0" g="0" b="0"/>
+          </a:effectRef>
+          <a:fontRef idx="minor">
+            <a:schemeClr val="tx1"/>
+          </a:fontRef>
+        </p:style>
+      </p:cxnSp>
+      <p:sp>
+        <p:nvSpPr>
+          <p:cNvPr id="43" name="Oval 42">
+            <a:extLst>
+              <a:ext uri="{FF2B5EF4-FFF2-40B4-BE49-F238E27FC236}">
+                <a16:creationId xmlns:a16="http://schemas.microsoft.com/office/drawing/2014/main" id="{49CC3A7D-3D2C-F3A4-B950-51B4E1D29A43}"/>
+              </a:ext>
+            </a:extLst>
+          </p:cNvPr>
+          <p:cNvSpPr/>
+          <p:nvPr/>
+        </p:nvSpPr>
+        <p:spPr>
+          <a:xfrm>
+            <a:off x="5140259" y="4981907"/>
+            <a:ext cx="1141167" cy="482603"/>
+          </a:xfrm>
+          <a:prstGeom prst="ellipse">
+            <a:avLst/>
+          </a:prstGeom>
+          <a:noFill/>
+          <a:ln>
             <a:noFill/>
-            <a:ln>
-              <a:noFill/>
-            </a:ln>
-          </p:spPr>
-          <p:style>
-            <a:lnRef idx="2">
-              <a:schemeClr val="accent1">
-                <a:shade val="15000"/>
-              </a:schemeClr>
-            </a:lnRef>
-            <a:fillRef idx="1">
-              <a:schemeClr val="accent1"/>
-            </a:fillRef>
-            <a:effectRef idx="0">
-              <a:schemeClr val="accent1"/>
-            </a:effectRef>
-            <a:fontRef idx="minor">
-              <a:schemeClr val="lt1"/>
-            </a:fontRef>
-          </p:style>
-          <p:txBody>
-            <a:bodyPr rtlCol="0" anchor="ctr"/>
-            <a:lstStyle/>
-            <a:p>
-              <a:pPr algn="ctr"/>
-              <a:r>
-                <a:rPr lang="en-IN" sz="2000" b="1" dirty="0">
-                  <a:solidFill>
-                    <a:schemeClr val="tx1"/>
-                  </a:solidFill>
-                </a:rPr>
-                <a:t>x150</a:t>
-              </a:r>
-            </a:p>
-          </p:txBody>
-        </p:sp>
-        <p:sp>
-          <p:nvSpPr>
-            <p:cNvPr id="44" name="Oval 43">
-              <a:extLst>
-                <a:ext uri="{FF2B5EF4-FFF2-40B4-BE49-F238E27FC236}">
-                  <a16:creationId xmlns:a16="http://schemas.microsoft.com/office/drawing/2014/main" id="{DE66DD39-F1A8-D433-4A90-FFFF142103E4}"/>
-                </a:ext>
-              </a:extLst>
-            </p:cNvPr>
-            <p:cNvSpPr/>
-            <p:nvPr/>
-          </p:nvSpPr>
-          <p:spPr>
-            <a:xfrm>
-              <a:off x="1727200" y="2351081"/>
-              <a:ext cx="690880" cy="482603"/>
-            </a:xfrm>
-            <a:prstGeom prst="ellipse">
-              <a:avLst/>
-            </a:prstGeom>
-            <a:solidFill>
-              <a:schemeClr val="bg1"/>
-            </a:solidFill>
-            <a:ln>
-              <a:noFill/>
-            </a:ln>
-          </p:spPr>
-          <p:style>
-            <a:lnRef idx="2">
-              <a:schemeClr val="accent1">
-                <a:shade val="15000"/>
-              </a:schemeClr>
-            </a:lnRef>
-            <a:fillRef idx="1">
-              <a:schemeClr val="accent1"/>
-            </a:fillRef>
-            <a:effectRef idx="0">
-              <a:schemeClr val="accent1"/>
-            </a:effectRef>
-            <a:fontRef idx="minor">
-              <a:schemeClr val="lt1"/>
-            </a:fontRef>
-          </p:style>
-          <p:txBody>
-            <a:bodyPr rtlCol="0" anchor="ctr"/>
-            <a:lstStyle/>
-            <a:p>
-              <a:pPr algn="ctr"/>
-              <a:endParaRPr lang="en-IN" sz="1400" dirty="0"/>
-            </a:p>
-            <a:p>
-              <a:pPr algn="ctr"/>
-              <a:r>
-                <a:rPr lang="en-IN" sz="2000" b="1" dirty="0">
-                  <a:solidFill>
-                    <a:schemeClr val="tx1"/>
-                  </a:solidFill>
-                </a:rPr>
-                <a:t>1</a:t>
-              </a:r>
-              <a:r>
-                <a:rPr lang="en-IN" sz="1400" dirty="0"/>
-                <a:t>	</a:t>
-              </a:r>
-            </a:p>
-          </p:txBody>
-        </p:sp>
-        <p:sp>
-          <p:nvSpPr>
-            <p:cNvPr id="45" name="Oval 44">
-              <a:extLst>
-                <a:ext uri="{FF2B5EF4-FFF2-40B4-BE49-F238E27FC236}">
-                  <a16:creationId xmlns:a16="http://schemas.microsoft.com/office/drawing/2014/main" id="{71F60B4C-5B0E-C217-5E24-9DC8065DF20B}"/>
-                </a:ext>
-              </a:extLst>
-            </p:cNvPr>
-            <p:cNvSpPr/>
-            <p:nvPr/>
-          </p:nvSpPr>
-          <p:spPr>
-            <a:xfrm>
-              <a:off x="1727200" y="2968621"/>
-              <a:ext cx="690880" cy="482603"/>
-            </a:xfrm>
-            <a:prstGeom prst="ellipse">
-              <a:avLst/>
-            </a:prstGeom>
-            <a:noFill/>
-            <a:ln>
-              <a:noFill/>
-            </a:ln>
-          </p:spPr>
-          <p:style>
-            <a:lnRef idx="2">
-              <a:schemeClr val="accent1">
-                <a:shade val="15000"/>
-              </a:schemeClr>
-            </a:lnRef>
-            <a:fillRef idx="1">
-              <a:schemeClr val="accent1"/>
-            </a:fillRef>
-            <a:effectRef idx="0">
-              <a:schemeClr val="accent1"/>
-            </a:effectRef>
-            <a:fontRef idx="minor">
-              <a:schemeClr val="lt1"/>
-            </a:fontRef>
-          </p:style>
-          <p:txBody>
-            <a:bodyPr rtlCol="0" anchor="ctr"/>
-            <a:lstStyle/>
-            <a:p>
-              <a:pPr algn="ctr"/>
-              <a:r>
-                <a:rPr lang="en-IN" sz="2000" b="1" dirty="0">
-                  <a:solidFill>
-                    <a:schemeClr val="tx1"/>
-                  </a:solidFill>
-                </a:rPr>
-                <a:t>x1</a:t>
-              </a:r>
-            </a:p>
-          </p:txBody>
-        </p:sp>
-        <p:sp>
-          <p:nvSpPr>
-            <p:cNvPr id="46" name="Oval 45">
-              <a:extLst>
-                <a:ext uri="{FF2B5EF4-FFF2-40B4-BE49-F238E27FC236}">
-                  <a16:creationId xmlns:a16="http://schemas.microsoft.com/office/drawing/2014/main" id="{4E8EB632-193B-C2AF-C47A-FDD7F30D7ADA}"/>
-                </a:ext>
-              </a:extLst>
-            </p:cNvPr>
-            <p:cNvSpPr/>
-            <p:nvPr/>
-          </p:nvSpPr>
-          <p:spPr>
-            <a:xfrm>
-              <a:off x="1727200" y="3610602"/>
-              <a:ext cx="690880" cy="482603"/>
-            </a:xfrm>
-            <a:prstGeom prst="ellipse">
-              <a:avLst/>
-            </a:prstGeom>
-            <a:noFill/>
-            <a:ln>
-              <a:noFill/>
-            </a:ln>
-          </p:spPr>
-          <p:style>
-            <a:lnRef idx="2">
-              <a:schemeClr val="accent1">
-                <a:shade val="15000"/>
-              </a:schemeClr>
-            </a:lnRef>
-            <a:fillRef idx="1">
-              <a:schemeClr val="accent1"/>
-            </a:fillRef>
-            <a:effectRef idx="0">
-              <a:schemeClr val="accent1"/>
-            </a:effectRef>
-            <a:fontRef idx="minor">
-              <a:schemeClr val="lt1"/>
-            </a:fontRef>
-          </p:style>
-          <p:txBody>
-            <a:bodyPr rtlCol="0" anchor="ctr"/>
-            <a:lstStyle/>
-            <a:p>
-              <a:pPr algn="ctr"/>
-              <a:r>
-                <a:rPr lang="en-IN" sz="2000" b="1" dirty="0">
-                  <a:solidFill>
-                    <a:schemeClr val="tx1"/>
-                  </a:solidFill>
-                </a:rPr>
-                <a:t>x2</a:t>
-              </a:r>
-            </a:p>
-          </p:txBody>
-        </p:sp>
-        <p:sp>
-          <p:nvSpPr>
-            <p:cNvPr id="47" name="Oval 46">
-              <a:extLst>
-                <a:ext uri="{FF2B5EF4-FFF2-40B4-BE49-F238E27FC236}">
-                  <a16:creationId xmlns:a16="http://schemas.microsoft.com/office/drawing/2014/main" id="{440B11B4-2656-F353-1AB1-A3A3B3FF0C1B}"/>
-                </a:ext>
-              </a:extLst>
-            </p:cNvPr>
-            <p:cNvSpPr/>
-            <p:nvPr/>
-          </p:nvSpPr>
-          <p:spPr>
-            <a:xfrm>
-              <a:off x="1727200" y="4257037"/>
-              <a:ext cx="690880" cy="482603"/>
-            </a:xfrm>
-            <a:prstGeom prst="ellipse">
-              <a:avLst/>
-            </a:prstGeom>
-            <a:noFill/>
-            <a:ln>
-              <a:noFill/>
-            </a:ln>
-          </p:spPr>
-          <p:style>
-            <a:lnRef idx="2">
-              <a:schemeClr val="accent1">
-                <a:shade val="15000"/>
-              </a:schemeClr>
-            </a:lnRef>
-            <a:fillRef idx="1">
-              <a:schemeClr val="accent1"/>
-            </a:fillRef>
-            <a:effectRef idx="0">
-              <a:schemeClr val="accent1"/>
-            </a:effectRef>
-            <a:fontRef idx="minor">
-              <a:schemeClr val="lt1"/>
-            </a:fontRef>
-          </p:style>
-          <p:txBody>
-            <a:bodyPr rtlCol="0" anchor="ctr"/>
-            <a:lstStyle/>
-            <a:p>
-              <a:pPr algn="ctr"/>
-              <a:r>
-                <a:rPr lang="en-IN" sz="2000" b="1" dirty="0">
-                  <a:solidFill>
-                    <a:schemeClr val="tx1"/>
-                  </a:solidFill>
-                </a:rPr>
-                <a:t>x3</a:t>
-              </a:r>
-              <a:endParaRPr lang="en-IN" sz="1400" b="1" dirty="0">
+          </a:ln>
+        </p:spPr>
+        <p:style>
+          <a:lnRef idx="2">
+            <a:schemeClr val="accent1">
+              <a:shade val="15000"/>
+            </a:schemeClr>
+          </a:lnRef>
+          <a:fillRef idx="1">
+            <a:schemeClr val="accent1"/>
+          </a:fillRef>
+          <a:effectRef idx="0">
+            <a:schemeClr val="accent1"/>
+          </a:effectRef>
+          <a:fontRef idx="minor">
+            <a:schemeClr val="lt1"/>
+          </a:fontRef>
+        </p:style>
+        <p:txBody>
+          <a:bodyPr rtlCol="0" anchor="ctr"/>
+          <a:lstStyle/>
+          <a:p>
+            <a:pPr algn="ctr"/>
+            <a:r>
+              <a:rPr lang="en-IN" sz="2000" b="1" dirty="0">
                 <a:solidFill>
                   <a:schemeClr val="tx1"/>
                 </a:solidFill>
-              </a:endParaRPr>
-            </a:p>
-          </p:txBody>
-        </p:sp>
-        <p:sp>
-          <p:nvSpPr>
-            <p:cNvPr id="48" name="Oval 47">
-              <a:extLst>
-                <a:ext uri="{FF2B5EF4-FFF2-40B4-BE49-F238E27FC236}">
-                  <a16:creationId xmlns:a16="http://schemas.microsoft.com/office/drawing/2014/main" id="{C29840F9-E5AC-5B95-DC26-894A70421E66}"/>
-                </a:ext>
-              </a:extLst>
-            </p:cNvPr>
-            <p:cNvSpPr/>
-            <p:nvPr/>
-          </p:nvSpPr>
-          <p:spPr>
-            <a:xfrm>
-              <a:off x="3855719" y="5184994"/>
-              <a:ext cx="238745" cy="235234"/>
-            </a:xfrm>
-            <a:prstGeom prst="ellipse">
-              <a:avLst/>
-            </a:prstGeom>
-          </p:spPr>
-          <p:style>
-            <a:lnRef idx="1">
-              <a:schemeClr val="accent1"/>
-            </a:lnRef>
-            <a:fillRef idx="2">
-              <a:schemeClr val="accent1"/>
-            </a:fillRef>
-            <a:effectRef idx="1">
-              <a:schemeClr val="accent1"/>
-            </a:effectRef>
-            <a:fontRef idx="minor">
-              <a:schemeClr val="dk1"/>
-            </a:fontRef>
-          </p:style>
-          <p:txBody>
-            <a:bodyPr rtlCol="0" anchor="ctr"/>
-            <a:lstStyle/>
-            <a:p>
-              <a:pPr algn="ctr"/>
-              <a:endParaRPr lang="en-IN"/>
-            </a:p>
-          </p:txBody>
-        </p:sp>
-        <p:sp>
-          <p:nvSpPr>
-            <p:cNvPr id="49" name="Plus Sign 48">
-              <a:extLst>
-                <a:ext uri="{FF2B5EF4-FFF2-40B4-BE49-F238E27FC236}">
-                  <a16:creationId xmlns:a16="http://schemas.microsoft.com/office/drawing/2014/main" id="{0CEA4E69-59C2-97D4-B6EF-695DBB72D853}"/>
-                </a:ext>
-              </a:extLst>
-            </p:cNvPr>
-            <p:cNvSpPr/>
-            <p:nvPr/>
-          </p:nvSpPr>
-          <p:spPr>
-            <a:xfrm>
-              <a:off x="3875907" y="5199642"/>
-              <a:ext cx="198369" cy="205938"/>
-            </a:xfrm>
-            <a:prstGeom prst="mathPlus">
-              <a:avLst/>
-            </a:prstGeom>
-          </p:spPr>
-          <p:style>
-            <a:lnRef idx="1">
+              </a:rPr>
+              <a:t>x150</a:t>
+            </a:r>
+          </a:p>
+        </p:txBody>
+      </p:sp>
+      <p:sp>
+        <p:nvSpPr>
+          <p:cNvPr id="44" name="Oval 43">
+            <a:extLst>
+              <a:ext uri="{FF2B5EF4-FFF2-40B4-BE49-F238E27FC236}">
+                <a16:creationId xmlns:a16="http://schemas.microsoft.com/office/drawing/2014/main" id="{DE66DD39-F1A8-D433-4A90-FFFF142103E4}"/>
+              </a:ext>
+            </a:extLst>
+          </p:cNvPr>
+          <p:cNvSpPr/>
+          <p:nvPr/>
+        </p:nvSpPr>
+        <p:spPr>
+          <a:xfrm>
+            <a:off x="5375563" y="1690688"/>
+            <a:ext cx="690880" cy="482603"/>
+          </a:xfrm>
+          <a:prstGeom prst="ellipse">
+            <a:avLst/>
+          </a:prstGeom>
+          <a:solidFill>
+            <a:schemeClr val="bg1"/>
+          </a:solidFill>
+          <a:ln>
+            <a:noFill/>
+          </a:ln>
+        </p:spPr>
+        <p:style>
+          <a:lnRef idx="2">
+            <a:schemeClr val="accent1">
+              <a:shade val="15000"/>
+            </a:schemeClr>
+          </a:lnRef>
+          <a:fillRef idx="1">
+            <a:schemeClr val="accent1"/>
+          </a:fillRef>
+          <a:effectRef idx="0">
+            <a:schemeClr val="accent1"/>
+          </a:effectRef>
+          <a:fontRef idx="minor">
+            <a:schemeClr val="lt1"/>
+          </a:fontRef>
+        </p:style>
+        <p:txBody>
+          <a:bodyPr rtlCol="0" anchor="ctr"/>
+          <a:lstStyle/>
+          <a:p>
+            <a:pPr algn="ctr"/>
+            <a:endParaRPr lang="en-IN" sz="1400" dirty="0"/>
+          </a:p>
+          <a:p>
+            <a:pPr algn="ctr"/>
+            <a:r>
+              <a:rPr lang="en-IN" sz="2000" b="1" dirty="0">
+                <a:solidFill>
+                  <a:schemeClr val="tx1"/>
+                </a:solidFill>
+              </a:rPr>
+              <a:t>1</a:t>
+            </a:r>
+            <a:r>
+              <a:rPr lang="en-IN" sz="1400" dirty="0"/>
+              <a:t>	</a:t>
+            </a:r>
+          </a:p>
+        </p:txBody>
+      </p:sp>
+      <p:sp>
+        <p:nvSpPr>
+          <p:cNvPr id="45" name="Oval 44">
+            <a:extLst>
+              <a:ext uri="{FF2B5EF4-FFF2-40B4-BE49-F238E27FC236}">
+                <a16:creationId xmlns:a16="http://schemas.microsoft.com/office/drawing/2014/main" id="{71F60B4C-5B0E-C217-5E24-9DC8065DF20B}"/>
+              </a:ext>
+            </a:extLst>
+          </p:cNvPr>
+          <p:cNvSpPr/>
+          <p:nvPr/>
+        </p:nvSpPr>
+        <p:spPr>
+          <a:xfrm>
+            <a:off x="5375563" y="2308228"/>
+            <a:ext cx="690880" cy="482603"/>
+          </a:xfrm>
+          <a:prstGeom prst="ellipse">
+            <a:avLst/>
+          </a:prstGeom>
+          <a:noFill/>
+          <a:ln>
+            <a:noFill/>
+          </a:ln>
+        </p:spPr>
+        <p:style>
+          <a:lnRef idx="2">
+            <a:schemeClr val="accent1">
+              <a:shade val="15000"/>
+            </a:schemeClr>
+          </a:lnRef>
+          <a:fillRef idx="1">
+            <a:schemeClr val="accent1"/>
+          </a:fillRef>
+          <a:effectRef idx="0">
+            <a:schemeClr val="accent1"/>
+          </a:effectRef>
+          <a:fontRef idx="minor">
+            <a:schemeClr val="lt1"/>
+          </a:fontRef>
+        </p:style>
+        <p:txBody>
+          <a:bodyPr rtlCol="0" anchor="ctr"/>
+          <a:lstStyle/>
+          <a:p>
+            <a:pPr algn="ctr"/>
+            <a:r>
+              <a:rPr lang="en-IN" sz="2000" b="1" dirty="0">
+                <a:solidFill>
+                  <a:schemeClr val="tx1"/>
+                </a:solidFill>
+              </a:rPr>
+              <a:t>x1</a:t>
+            </a:r>
+          </a:p>
+        </p:txBody>
+      </p:sp>
+      <p:sp>
+        <p:nvSpPr>
+          <p:cNvPr id="46" name="Oval 45">
+            <a:extLst>
+              <a:ext uri="{FF2B5EF4-FFF2-40B4-BE49-F238E27FC236}">
+                <a16:creationId xmlns:a16="http://schemas.microsoft.com/office/drawing/2014/main" id="{4E8EB632-193B-C2AF-C47A-FDD7F30D7ADA}"/>
+              </a:ext>
+            </a:extLst>
+          </p:cNvPr>
+          <p:cNvSpPr/>
+          <p:nvPr/>
+        </p:nvSpPr>
+        <p:spPr>
+          <a:xfrm>
+            <a:off x="5375563" y="2950209"/>
+            <a:ext cx="690880" cy="482603"/>
+          </a:xfrm>
+          <a:prstGeom prst="ellipse">
+            <a:avLst/>
+          </a:prstGeom>
+          <a:noFill/>
+          <a:ln>
+            <a:noFill/>
+          </a:ln>
+        </p:spPr>
+        <p:style>
+          <a:lnRef idx="2">
+            <a:schemeClr val="accent1">
+              <a:shade val="15000"/>
+            </a:schemeClr>
+          </a:lnRef>
+          <a:fillRef idx="1">
+            <a:schemeClr val="accent1"/>
+          </a:fillRef>
+          <a:effectRef idx="0">
+            <a:schemeClr val="accent1"/>
+          </a:effectRef>
+          <a:fontRef idx="minor">
+            <a:schemeClr val="lt1"/>
+          </a:fontRef>
+        </p:style>
+        <p:txBody>
+          <a:bodyPr rtlCol="0" anchor="ctr"/>
+          <a:lstStyle/>
+          <a:p>
+            <a:pPr algn="ctr"/>
+            <a:r>
+              <a:rPr lang="en-IN" sz="2000" b="1" dirty="0">
+                <a:solidFill>
+                  <a:schemeClr val="tx1"/>
+                </a:solidFill>
+              </a:rPr>
+              <a:t>x2</a:t>
+            </a:r>
+          </a:p>
+        </p:txBody>
+      </p:sp>
+      <p:sp>
+        <p:nvSpPr>
+          <p:cNvPr id="47" name="Oval 46">
+            <a:extLst>
+              <a:ext uri="{FF2B5EF4-FFF2-40B4-BE49-F238E27FC236}">
+                <a16:creationId xmlns:a16="http://schemas.microsoft.com/office/drawing/2014/main" id="{440B11B4-2656-F353-1AB1-A3A3B3FF0C1B}"/>
+              </a:ext>
+            </a:extLst>
+          </p:cNvPr>
+          <p:cNvSpPr/>
+          <p:nvPr/>
+        </p:nvSpPr>
+        <p:spPr>
+          <a:xfrm>
+            <a:off x="5375563" y="3596644"/>
+            <a:ext cx="690880" cy="482603"/>
+          </a:xfrm>
+          <a:prstGeom prst="ellipse">
+            <a:avLst/>
+          </a:prstGeom>
+          <a:noFill/>
+          <a:ln>
+            <a:noFill/>
+          </a:ln>
+        </p:spPr>
+        <p:style>
+          <a:lnRef idx="2">
+            <a:schemeClr val="accent1">
+              <a:shade val="15000"/>
+            </a:schemeClr>
+          </a:lnRef>
+          <a:fillRef idx="1">
+            <a:schemeClr val="accent1"/>
+          </a:fillRef>
+          <a:effectRef idx="0">
+            <a:schemeClr val="accent1"/>
+          </a:effectRef>
+          <a:fontRef idx="minor">
+            <a:schemeClr val="lt1"/>
+          </a:fontRef>
+        </p:style>
+        <p:txBody>
+          <a:bodyPr rtlCol="0" anchor="ctr"/>
+          <a:lstStyle/>
+          <a:p>
+            <a:pPr algn="ctr"/>
+            <a:r>
+              <a:rPr lang="en-IN" sz="2000" b="1" dirty="0">
+                <a:solidFill>
+                  <a:schemeClr val="tx1"/>
+                </a:solidFill>
+              </a:rPr>
+              <a:t>x3</a:t>
+            </a:r>
+            <a:endParaRPr lang="en-IN" sz="1400" b="1" dirty="0">
+              <a:solidFill>
+                <a:schemeClr val="tx1"/>
+              </a:solidFill>
+            </a:endParaRPr>
+          </a:p>
+        </p:txBody>
+      </p:sp>
+      <p:sp>
+        <p:nvSpPr>
+          <p:cNvPr id="48" name="Oval 47">
+            <a:extLst>
+              <a:ext uri="{FF2B5EF4-FFF2-40B4-BE49-F238E27FC236}">
+                <a16:creationId xmlns:a16="http://schemas.microsoft.com/office/drawing/2014/main" id="{C29840F9-E5AC-5B95-DC26-894A70421E66}"/>
+              </a:ext>
+            </a:extLst>
+          </p:cNvPr>
+          <p:cNvSpPr/>
+          <p:nvPr/>
+        </p:nvSpPr>
+        <p:spPr>
+          <a:xfrm>
+            <a:off x="7504082" y="4524601"/>
+            <a:ext cx="238745" cy="235234"/>
+          </a:xfrm>
+          <a:prstGeom prst="ellipse">
+            <a:avLst/>
+          </a:prstGeom>
+        </p:spPr>
+        <p:style>
+          <a:lnRef idx="1">
+            <a:schemeClr val="accent1"/>
+          </a:lnRef>
+          <a:fillRef idx="2">
+            <a:schemeClr val="accent1"/>
+          </a:fillRef>
+          <a:effectRef idx="1">
+            <a:schemeClr val="accent1"/>
+          </a:effectRef>
+          <a:fontRef idx="minor">
+            <a:schemeClr val="dk1"/>
+          </a:fontRef>
+        </p:style>
+        <p:txBody>
+          <a:bodyPr rtlCol="0" anchor="ctr"/>
+          <a:lstStyle/>
+          <a:p>
+            <a:pPr algn="ctr"/>
+            <a:endParaRPr lang="en-IN"/>
+          </a:p>
+        </p:txBody>
+      </p:sp>
+      <p:sp>
+        <p:nvSpPr>
+          <p:cNvPr id="49" name="Plus Sign 48">
+            <a:extLst>
+              <a:ext uri="{FF2B5EF4-FFF2-40B4-BE49-F238E27FC236}">
+                <a16:creationId xmlns:a16="http://schemas.microsoft.com/office/drawing/2014/main" id="{0CEA4E69-59C2-97D4-B6EF-695DBB72D853}"/>
+              </a:ext>
+            </a:extLst>
+          </p:cNvPr>
+          <p:cNvSpPr/>
+          <p:nvPr/>
+        </p:nvSpPr>
+        <p:spPr>
+          <a:xfrm>
+            <a:off x="7524270" y="4539249"/>
+            <a:ext cx="198369" cy="205938"/>
+          </a:xfrm>
+          <a:prstGeom prst="mathPlus">
+            <a:avLst/>
+          </a:prstGeom>
+        </p:spPr>
+        <p:style>
+          <a:lnRef idx="1">
+            <a:schemeClr val="accent4"/>
+          </a:lnRef>
+          <a:fillRef idx="3">
+            <a:schemeClr val="accent4"/>
+          </a:fillRef>
+          <a:effectRef idx="2">
+            <a:schemeClr val="accent4"/>
+          </a:effectRef>
+          <a:fontRef idx="minor">
+            <a:schemeClr val="lt1"/>
+          </a:fontRef>
+        </p:style>
+        <p:txBody>
+          <a:bodyPr rtlCol="0" anchor="ctr"/>
+          <a:lstStyle/>
+          <a:p>
+            <a:pPr algn="ctr"/>
+            <a:endParaRPr lang="en-IN"/>
+          </a:p>
+        </p:txBody>
+      </p:sp>
+      <p:sp>
+        <p:nvSpPr>
+          <p:cNvPr id="50" name="Oval 49">
+            <a:extLst>
+              <a:ext uri="{FF2B5EF4-FFF2-40B4-BE49-F238E27FC236}">
+                <a16:creationId xmlns:a16="http://schemas.microsoft.com/office/drawing/2014/main" id="{9DB12F63-BBC3-7BA2-FDE3-3C7DC7B0CABF}"/>
+              </a:ext>
+            </a:extLst>
+          </p:cNvPr>
+          <p:cNvSpPr/>
+          <p:nvPr/>
+        </p:nvSpPr>
+        <p:spPr>
+          <a:xfrm>
+            <a:off x="7504083" y="3281686"/>
+            <a:ext cx="238745" cy="235234"/>
+          </a:xfrm>
+          <a:prstGeom prst="ellipse">
+            <a:avLst/>
+          </a:prstGeom>
+        </p:spPr>
+        <p:style>
+          <a:lnRef idx="1">
+            <a:schemeClr val="accent1"/>
+          </a:lnRef>
+          <a:fillRef idx="2">
+            <a:schemeClr val="accent1"/>
+          </a:fillRef>
+          <a:effectRef idx="1">
+            <a:schemeClr val="accent1"/>
+          </a:effectRef>
+          <a:fontRef idx="minor">
+            <a:schemeClr val="dk1"/>
+          </a:fontRef>
+        </p:style>
+        <p:txBody>
+          <a:bodyPr rtlCol="0" anchor="ctr"/>
+          <a:lstStyle/>
+          <a:p>
+            <a:pPr algn="ctr"/>
+            <a:endParaRPr lang="en-IN"/>
+          </a:p>
+        </p:txBody>
+      </p:sp>
+      <p:sp>
+        <p:nvSpPr>
+          <p:cNvPr id="51" name="Plus Sign 50">
+            <a:extLst>
+              <a:ext uri="{FF2B5EF4-FFF2-40B4-BE49-F238E27FC236}">
+                <a16:creationId xmlns:a16="http://schemas.microsoft.com/office/drawing/2014/main" id="{B7BCB5D3-A02A-0C6F-D92A-809D381F81D9}"/>
+              </a:ext>
+            </a:extLst>
+          </p:cNvPr>
+          <p:cNvSpPr/>
+          <p:nvPr/>
+        </p:nvSpPr>
+        <p:spPr>
+          <a:xfrm>
+            <a:off x="7524271" y="3296334"/>
+            <a:ext cx="198369" cy="205938"/>
+          </a:xfrm>
+          <a:prstGeom prst="mathPlus">
+            <a:avLst/>
+          </a:prstGeom>
+        </p:spPr>
+        <p:style>
+          <a:lnRef idx="1">
+            <a:schemeClr val="accent4"/>
+          </a:lnRef>
+          <a:fillRef idx="3">
+            <a:schemeClr val="accent4"/>
+          </a:fillRef>
+          <a:effectRef idx="2">
+            <a:schemeClr val="accent4"/>
+          </a:effectRef>
+          <a:fontRef idx="minor">
+            <a:schemeClr val="lt1"/>
+          </a:fontRef>
+        </p:style>
+        <p:txBody>
+          <a:bodyPr rtlCol="0" anchor="ctr"/>
+          <a:lstStyle/>
+          <a:p>
+            <a:pPr algn="ctr"/>
+            <a:endParaRPr lang="en-IN"/>
+          </a:p>
+        </p:txBody>
+      </p:sp>
+      <p:sp>
+        <p:nvSpPr>
+          <p:cNvPr id="52" name="Oval 51">
+            <a:extLst>
+              <a:ext uri="{FF2B5EF4-FFF2-40B4-BE49-F238E27FC236}">
+                <a16:creationId xmlns:a16="http://schemas.microsoft.com/office/drawing/2014/main" id="{9B2F495B-D990-B610-90F1-B7B10079A0C7}"/>
+              </a:ext>
+            </a:extLst>
+          </p:cNvPr>
+          <p:cNvSpPr/>
+          <p:nvPr/>
+        </p:nvSpPr>
+        <p:spPr>
+          <a:xfrm>
+            <a:off x="7504083" y="2215513"/>
+            <a:ext cx="239434" cy="235913"/>
+          </a:xfrm>
+          <a:prstGeom prst="ellipse">
+            <a:avLst/>
+          </a:prstGeom>
+        </p:spPr>
+        <p:style>
+          <a:lnRef idx="1">
+            <a:schemeClr val="accent1"/>
+          </a:lnRef>
+          <a:fillRef idx="2">
+            <a:schemeClr val="accent1"/>
+          </a:fillRef>
+          <a:effectRef idx="1">
+            <a:schemeClr val="accent1"/>
+          </a:effectRef>
+          <a:fontRef idx="minor">
+            <a:schemeClr val="dk1"/>
+          </a:fontRef>
+        </p:style>
+        <p:txBody>
+          <a:bodyPr rtlCol="0" anchor="ctr"/>
+          <a:lstStyle/>
+          <a:p>
+            <a:pPr algn="ctr"/>
+            <a:endParaRPr lang="en-IN"/>
+          </a:p>
+        </p:txBody>
+      </p:sp>
+      <p:sp>
+        <p:nvSpPr>
+          <p:cNvPr id="53" name="Plus Sign 52">
+            <a:extLst>
+              <a:ext uri="{FF2B5EF4-FFF2-40B4-BE49-F238E27FC236}">
+                <a16:creationId xmlns:a16="http://schemas.microsoft.com/office/drawing/2014/main" id="{5CB5993D-30D0-475D-AE9E-2E902F0488D7}"/>
+              </a:ext>
+            </a:extLst>
+          </p:cNvPr>
+          <p:cNvSpPr/>
+          <p:nvPr/>
+        </p:nvSpPr>
+        <p:spPr>
+          <a:xfrm>
+            <a:off x="7524329" y="2230203"/>
+            <a:ext cx="198941" cy="206532"/>
+          </a:xfrm>
+          <a:prstGeom prst="mathPlus">
+            <a:avLst/>
+          </a:prstGeom>
+        </p:spPr>
+        <p:style>
+          <a:lnRef idx="1">
+            <a:schemeClr val="accent4"/>
+          </a:lnRef>
+          <a:fillRef idx="3">
+            <a:schemeClr val="accent4"/>
+          </a:fillRef>
+          <a:effectRef idx="2">
+            <a:schemeClr val="accent4"/>
+          </a:effectRef>
+          <a:fontRef idx="minor">
+            <a:schemeClr val="lt1"/>
+          </a:fontRef>
+        </p:style>
+        <p:txBody>
+          <a:bodyPr rtlCol="0" anchor="ctr"/>
+          <a:lstStyle/>
+          <a:p>
+            <a:pPr algn="ctr"/>
+            <a:endParaRPr lang="en-IN"/>
+          </a:p>
+        </p:txBody>
+      </p:sp>
+      <p:sp>
+        <p:nvSpPr>
+          <p:cNvPr id="69" name="Rectangle 68">
+            <a:extLst>
+              <a:ext uri="{FF2B5EF4-FFF2-40B4-BE49-F238E27FC236}">
+                <a16:creationId xmlns:a16="http://schemas.microsoft.com/office/drawing/2014/main" id="{0DBAF56E-1337-7E76-1B8F-BC7F9E10A0C2}"/>
+              </a:ext>
+            </a:extLst>
+          </p:cNvPr>
+          <p:cNvSpPr/>
+          <p:nvPr/>
+        </p:nvSpPr>
+        <p:spPr>
+          <a:xfrm>
+            <a:off x="7667181" y="2024445"/>
+            <a:ext cx="574040" cy="460379"/>
+          </a:xfrm>
+          <a:prstGeom prst="rect">
+            <a:avLst/>
+          </a:prstGeom>
+          <a:noFill/>
+          <a:ln>
+            <a:noFill/>
+          </a:ln>
+        </p:spPr>
+        <p:style>
+          <a:lnRef idx="2">
+            <a:schemeClr val="accent1">
+              <a:shade val="15000"/>
+            </a:schemeClr>
+          </a:lnRef>
+          <a:fillRef idx="1">
+            <a:schemeClr val="accent1"/>
+          </a:fillRef>
+          <a:effectRef idx="0">
+            <a:schemeClr val="accent1"/>
+          </a:effectRef>
+          <a:fontRef idx="minor">
+            <a:schemeClr val="lt1"/>
+          </a:fontRef>
+        </p:style>
+        <p:txBody>
+          <a:bodyPr rtlCol="0" anchor="ctr"/>
+          <a:lstStyle/>
+          <a:p>
+            <a:pPr algn="ctr"/>
+            <a:r>
+              <a:rPr lang="en-IN" sz="1600" b="1" dirty="0">
+                <a:solidFill>
+                  <a:schemeClr val="tx1"/>
+                </a:solidFill>
+              </a:rPr>
+              <a:t>V0</a:t>
+            </a:r>
+          </a:p>
+        </p:txBody>
+      </p:sp>
+      <p:sp>
+        <p:nvSpPr>
+          <p:cNvPr id="70" name="Rectangle 69">
+            <a:extLst>
+              <a:ext uri="{FF2B5EF4-FFF2-40B4-BE49-F238E27FC236}">
+                <a16:creationId xmlns:a16="http://schemas.microsoft.com/office/drawing/2014/main" id="{FD79C323-2A8B-5647-7845-2828F6F90102}"/>
+              </a:ext>
+            </a:extLst>
+          </p:cNvPr>
+          <p:cNvSpPr/>
+          <p:nvPr/>
+        </p:nvSpPr>
+        <p:spPr>
+          <a:xfrm>
+            <a:off x="7674363" y="4521528"/>
+            <a:ext cx="574040" cy="460379"/>
+          </a:xfrm>
+          <a:prstGeom prst="rect">
+            <a:avLst/>
+          </a:prstGeom>
+          <a:noFill/>
+          <a:ln>
+            <a:noFill/>
+          </a:ln>
+        </p:spPr>
+        <p:style>
+          <a:lnRef idx="2">
+            <a:schemeClr val="accent1">
+              <a:shade val="15000"/>
+            </a:schemeClr>
+          </a:lnRef>
+          <a:fillRef idx="1">
+            <a:schemeClr val="accent1"/>
+          </a:fillRef>
+          <a:effectRef idx="0">
+            <a:schemeClr val="accent1"/>
+          </a:effectRef>
+          <a:fontRef idx="minor">
+            <a:schemeClr val="lt1"/>
+          </a:fontRef>
+        </p:style>
+        <p:txBody>
+          <a:bodyPr rtlCol="0" anchor="ctr"/>
+          <a:lstStyle/>
+          <a:p>
+            <a:pPr algn="ctr"/>
+            <a:r>
+              <a:rPr lang="en-IN" sz="1600" b="1" dirty="0">
+                <a:solidFill>
+                  <a:schemeClr val="tx1"/>
+                </a:solidFill>
+              </a:rPr>
+              <a:t>V2</a:t>
+            </a:r>
+          </a:p>
+        </p:txBody>
+      </p:sp>
+      <p:sp>
+        <p:nvSpPr>
+          <p:cNvPr id="71" name="Rectangle 70">
+            <a:extLst>
+              <a:ext uri="{FF2B5EF4-FFF2-40B4-BE49-F238E27FC236}">
+                <a16:creationId xmlns:a16="http://schemas.microsoft.com/office/drawing/2014/main" id="{C0BB3FC3-3FF6-879C-1463-67931F5CBD50}"/>
+              </a:ext>
+            </a:extLst>
+          </p:cNvPr>
+          <p:cNvSpPr/>
+          <p:nvPr/>
+        </p:nvSpPr>
+        <p:spPr>
+          <a:xfrm>
+            <a:off x="7569212" y="3037163"/>
+            <a:ext cx="574040" cy="460379"/>
+          </a:xfrm>
+          <a:prstGeom prst="rect">
+            <a:avLst/>
+          </a:prstGeom>
+          <a:noFill/>
+          <a:ln>
+            <a:noFill/>
+          </a:ln>
+        </p:spPr>
+        <p:style>
+          <a:lnRef idx="2">
+            <a:schemeClr val="accent1">
+              <a:shade val="15000"/>
+            </a:schemeClr>
+          </a:lnRef>
+          <a:fillRef idx="1">
+            <a:schemeClr val="accent1"/>
+          </a:fillRef>
+          <a:effectRef idx="0">
+            <a:schemeClr val="accent1"/>
+          </a:effectRef>
+          <a:fontRef idx="minor">
+            <a:schemeClr val="lt1"/>
+          </a:fontRef>
+        </p:style>
+        <p:txBody>
+          <a:bodyPr rtlCol="0" anchor="ctr"/>
+          <a:lstStyle/>
+          <a:p>
+            <a:pPr algn="ctr"/>
+            <a:r>
+              <a:rPr lang="en-IN" sz="1600" b="1" dirty="0">
+                <a:solidFill>
+                  <a:schemeClr val="tx1"/>
+                </a:solidFill>
+              </a:rPr>
+              <a:t>V1</a:t>
+            </a:r>
+          </a:p>
+        </p:txBody>
+      </p:sp>
+      <p:sp>
+        <p:nvSpPr>
+          <p:cNvPr id="72" name="Rectangle 71">
+            <a:extLst>
+              <a:ext uri="{FF2B5EF4-FFF2-40B4-BE49-F238E27FC236}">
+                <a16:creationId xmlns:a16="http://schemas.microsoft.com/office/drawing/2014/main" id="{0A58179C-5566-E217-5B7D-9DCC4EA785FA}"/>
+              </a:ext>
+            </a:extLst>
+          </p:cNvPr>
+          <p:cNvSpPr/>
+          <p:nvPr/>
+        </p:nvSpPr>
+        <p:spPr>
+          <a:xfrm>
+            <a:off x="8314326" y="3084458"/>
+            <a:ext cx="1047702" cy="590255"/>
+          </a:xfrm>
+          <a:prstGeom prst="rect">
+            <a:avLst/>
+          </a:prstGeom>
+        </p:spPr>
+        <p:style>
+          <a:lnRef idx="1">
+            <a:schemeClr val="accent1"/>
+          </a:lnRef>
+          <a:fillRef idx="2">
+            <a:schemeClr val="accent1"/>
+          </a:fillRef>
+          <a:effectRef idx="1">
+            <a:schemeClr val="accent1"/>
+          </a:effectRef>
+          <a:fontRef idx="minor">
+            <a:schemeClr val="dk1"/>
+          </a:fontRef>
+        </p:style>
+        <p:txBody>
+          <a:bodyPr rtlCol="0" anchor="ctr"/>
+          <a:lstStyle/>
+          <a:p>
+            <a:pPr algn="ctr"/>
+            <a:r>
+              <a:rPr lang="en-IN" b="1" dirty="0"/>
+              <a:t>Argmax</a:t>
+            </a:r>
+          </a:p>
+        </p:txBody>
+      </p:sp>
+      <p:sp>
+        <p:nvSpPr>
+          <p:cNvPr id="76" name="Rectangle 75">
+            <a:extLst>
+              <a:ext uri="{FF2B5EF4-FFF2-40B4-BE49-F238E27FC236}">
+                <a16:creationId xmlns:a16="http://schemas.microsoft.com/office/drawing/2014/main" id="{C8D6F594-CC05-9450-0CC4-DC08C21E54AC}"/>
+              </a:ext>
+            </a:extLst>
+          </p:cNvPr>
+          <p:cNvSpPr/>
+          <p:nvPr/>
+        </p:nvSpPr>
+        <p:spPr>
+          <a:xfrm>
+            <a:off x="9602849" y="3080116"/>
+            <a:ext cx="1047702" cy="590255"/>
+          </a:xfrm>
+          <a:prstGeom prst="rect">
+            <a:avLst/>
+          </a:prstGeom>
+        </p:spPr>
+        <p:style>
+          <a:lnRef idx="1">
+            <a:schemeClr val="accent1"/>
+          </a:lnRef>
+          <a:fillRef idx="2">
+            <a:schemeClr val="accent1"/>
+          </a:fillRef>
+          <a:effectRef idx="1">
+            <a:schemeClr val="accent1"/>
+          </a:effectRef>
+          <a:fontRef idx="minor">
+            <a:schemeClr val="dk1"/>
+          </a:fontRef>
+        </p:style>
+        <p:txBody>
+          <a:bodyPr rtlCol="0" anchor="ctr"/>
+          <a:lstStyle/>
+          <a:p>
+            <a:pPr algn="ctr"/>
+            <a:r>
+              <a:rPr lang="en-IN" b="1" dirty="0"/>
+              <a:t>Output</a:t>
+            </a:r>
+          </a:p>
+        </p:txBody>
+      </p:sp>
+      <p:cxnSp>
+        <p:nvCxnSpPr>
+          <p:cNvPr id="54" name="Straight Arrow Connector 53">
+            <a:extLst>
+              <a:ext uri="{FF2B5EF4-FFF2-40B4-BE49-F238E27FC236}">
+                <a16:creationId xmlns:a16="http://schemas.microsoft.com/office/drawing/2014/main" id="{BE95429E-F5A8-E516-4163-CCA169E184F2}"/>
+              </a:ext>
+            </a:extLst>
+          </p:cNvPr>
+          <p:cNvCxnSpPr>
+            <a:stCxn id="44" idx="6"/>
+            <a:endCxn id="52" idx="2"/>
+          </p:cNvCxnSpPr>
+          <p:nvPr/>
+        </p:nvCxnSpPr>
+        <p:spPr>
+          <a:xfrm>
+            <a:off x="6066443" y="1931990"/>
+            <a:ext cx="1437640" cy="401480"/>
+          </a:xfrm>
+          <a:prstGeom prst="straightConnector1">
+            <a:avLst/>
+          </a:prstGeom>
+          <a:ln w="28575" cap="flat" cmpd="sng" algn="ctr">
+            <a:solidFill>
               <a:schemeClr val="accent4"/>
-            </a:lnRef>
-            <a:fillRef idx="3">
-              <a:schemeClr val="accent4"/>
-            </a:fillRef>
-            <a:effectRef idx="2">
-              <a:schemeClr val="accent4"/>
-            </a:effectRef>
-            <a:fontRef idx="minor">
-              <a:schemeClr val="lt1"/>
-            </a:fontRef>
-          </p:style>
-          <p:txBody>
-            <a:bodyPr rtlCol="0" anchor="ctr"/>
-            <a:lstStyle/>
-            <a:p>
-              <a:pPr algn="ctr"/>
-              <a:endParaRPr lang="en-IN"/>
-            </a:p>
-          </p:txBody>
-        </p:sp>
-        <p:sp>
-          <p:nvSpPr>
-            <p:cNvPr id="50" name="Oval 49">
-              <a:extLst>
-                <a:ext uri="{FF2B5EF4-FFF2-40B4-BE49-F238E27FC236}">
-                  <a16:creationId xmlns:a16="http://schemas.microsoft.com/office/drawing/2014/main" id="{9DB12F63-BBC3-7BA2-FDE3-3C7DC7B0CABF}"/>
-                </a:ext>
-              </a:extLst>
-            </p:cNvPr>
-            <p:cNvSpPr/>
-            <p:nvPr/>
-          </p:nvSpPr>
-          <p:spPr>
-            <a:xfrm>
-              <a:off x="3855720" y="3942079"/>
-              <a:ext cx="238745" cy="235234"/>
-            </a:xfrm>
-            <a:prstGeom prst="ellipse">
-              <a:avLst/>
-            </a:prstGeom>
-          </p:spPr>
-          <p:style>
-            <a:lnRef idx="1">
-              <a:schemeClr val="accent1"/>
-            </a:lnRef>
-            <a:fillRef idx="2">
-              <a:schemeClr val="accent1"/>
-            </a:fillRef>
-            <a:effectRef idx="1">
-              <a:schemeClr val="accent1"/>
-            </a:effectRef>
-            <a:fontRef idx="minor">
-              <a:schemeClr val="dk1"/>
-            </a:fontRef>
-          </p:style>
-          <p:txBody>
-            <a:bodyPr rtlCol="0" anchor="ctr"/>
-            <a:lstStyle/>
-            <a:p>
-              <a:pPr algn="ctr"/>
-              <a:endParaRPr lang="en-IN"/>
-            </a:p>
-          </p:txBody>
-        </p:sp>
-        <p:sp>
-          <p:nvSpPr>
-            <p:cNvPr id="51" name="Plus Sign 50">
-              <a:extLst>
-                <a:ext uri="{FF2B5EF4-FFF2-40B4-BE49-F238E27FC236}">
-                  <a16:creationId xmlns:a16="http://schemas.microsoft.com/office/drawing/2014/main" id="{B7BCB5D3-A02A-0C6F-D92A-809D381F81D9}"/>
-                </a:ext>
-              </a:extLst>
-            </p:cNvPr>
-            <p:cNvSpPr/>
-            <p:nvPr/>
-          </p:nvSpPr>
-          <p:spPr>
-            <a:xfrm>
-              <a:off x="3875908" y="3956727"/>
-              <a:ext cx="198369" cy="205938"/>
-            </a:xfrm>
-            <a:prstGeom prst="mathPlus">
-              <a:avLst/>
-            </a:prstGeom>
-          </p:spPr>
-          <p:style>
-            <a:lnRef idx="1">
-              <a:schemeClr val="accent4"/>
-            </a:lnRef>
-            <a:fillRef idx="3">
-              <a:schemeClr val="accent4"/>
-            </a:fillRef>
-            <a:effectRef idx="2">
-              <a:schemeClr val="accent4"/>
-            </a:effectRef>
-            <a:fontRef idx="minor">
-              <a:schemeClr val="lt1"/>
-            </a:fontRef>
-          </p:style>
-          <p:txBody>
-            <a:bodyPr rtlCol="0" anchor="ctr"/>
-            <a:lstStyle/>
-            <a:p>
-              <a:pPr algn="ctr"/>
-              <a:endParaRPr lang="en-IN"/>
-            </a:p>
-          </p:txBody>
-        </p:sp>
-        <p:sp>
-          <p:nvSpPr>
-            <p:cNvPr id="52" name="Oval 51">
-              <a:extLst>
-                <a:ext uri="{FF2B5EF4-FFF2-40B4-BE49-F238E27FC236}">
-                  <a16:creationId xmlns:a16="http://schemas.microsoft.com/office/drawing/2014/main" id="{9B2F495B-D990-B610-90F1-B7B10079A0C7}"/>
-                </a:ext>
-              </a:extLst>
-            </p:cNvPr>
-            <p:cNvSpPr/>
-            <p:nvPr/>
-          </p:nvSpPr>
-          <p:spPr>
-            <a:xfrm>
-              <a:off x="3855720" y="2875906"/>
-              <a:ext cx="239434" cy="235913"/>
-            </a:xfrm>
-            <a:prstGeom prst="ellipse">
-              <a:avLst/>
-            </a:prstGeom>
-          </p:spPr>
-          <p:style>
-            <a:lnRef idx="1">
-              <a:schemeClr val="accent1"/>
-            </a:lnRef>
-            <a:fillRef idx="2">
-              <a:schemeClr val="accent1"/>
-            </a:fillRef>
-            <a:effectRef idx="1">
-              <a:schemeClr val="accent1"/>
-            </a:effectRef>
-            <a:fontRef idx="minor">
-              <a:schemeClr val="dk1"/>
-            </a:fontRef>
-          </p:style>
-          <p:txBody>
-            <a:bodyPr rtlCol="0" anchor="ctr"/>
-            <a:lstStyle/>
-            <a:p>
-              <a:pPr algn="ctr"/>
-              <a:endParaRPr lang="en-IN"/>
-            </a:p>
-          </p:txBody>
-        </p:sp>
-        <p:sp>
-          <p:nvSpPr>
-            <p:cNvPr id="53" name="Plus Sign 52">
-              <a:extLst>
-                <a:ext uri="{FF2B5EF4-FFF2-40B4-BE49-F238E27FC236}">
-                  <a16:creationId xmlns:a16="http://schemas.microsoft.com/office/drawing/2014/main" id="{5CB5993D-30D0-475D-AE9E-2E902F0488D7}"/>
-                </a:ext>
-              </a:extLst>
-            </p:cNvPr>
-            <p:cNvSpPr/>
-            <p:nvPr/>
-          </p:nvSpPr>
-          <p:spPr>
-            <a:xfrm>
-              <a:off x="3875966" y="2890596"/>
-              <a:ext cx="198941" cy="206532"/>
-            </a:xfrm>
-            <a:prstGeom prst="mathPlus">
-              <a:avLst/>
-            </a:prstGeom>
-          </p:spPr>
-          <p:style>
-            <a:lnRef idx="1">
-              <a:schemeClr val="accent4"/>
-            </a:lnRef>
-            <a:fillRef idx="3">
-              <a:schemeClr val="accent4"/>
-            </a:fillRef>
-            <a:effectRef idx="2">
-              <a:schemeClr val="accent4"/>
-            </a:effectRef>
-            <a:fontRef idx="minor">
-              <a:schemeClr val="lt1"/>
-            </a:fontRef>
-          </p:style>
-          <p:txBody>
-            <a:bodyPr rtlCol="0" anchor="ctr"/>
-            <a:lstStyle/>
-            <a:p>
-              <a:pPr algn="ctr"/>
-              <a:endParaRPr lang="en-IN"/>
-            </a:p>
-          </p:txBody>
-        </p:sp>
-        <p:cxnSp>
-          <p:nvCxnSpPr>
-            <p:cNvPr id="54" name="Straight Arrow Connector 53">
-              <a:extLst>
-                <a:ext uri="{FF2B5EF4-FFF2-40B4-BE49-F238E27FC236}">
-                  <a16:creationId xmlns:a16="http://schemas.microsoft.com/office/drawing/2014/main" id="{BE95429E-F5A8-E516-4163-CCA169E184F2}"/>
-                </a:ext>
-              </a:extLst>
-            </p:cNvPr>
-            <p:cNvCxnSpPr>
-              <a:stCxn id="44" idx="6"/>
-              <a:endCxn id="52" idx="2"/>
-            </p:cNvCxnSpPr>
-            <p:nvPr/>
-          </p:nvCxnSpPr>
-          <p:spPr>
-            <a:xfrm>
-              <a:off x="2418080" y="2592383"/>
-              <a:ext cx="1437640" cy="401480"/>
-            </a:xfrm>
-            <a:prstGeom prst="straightConnector1">
-              <a:avLst/>
-            </a:prstGeom>
-            <a:ln w="12700" cap="flat" cmpd="sng" algn="ctr">
-              <a:solidFill>
-                <a:schemeClr val="accent4"/>
-              </a:solidFill>
-              <a:prstDash val="solid"/>
-              <a:round/>
-              <a:headEnd type="none" w="med" len="med"/>
-              <a:tailEnd type="arrow" w="med" len="med"/>
-            </a:ln>
-          </p:spPr>
-          <p:style>
-            <a:lnRef idx="0">
-              <a:scrgbClr r="0" g="0" b="0"/>
-            </a:lnRef>
-            <a:fillRef idx="0">
-              <a:scrgbClr r="0" g="0" b="0"/>
-            </a:fillRef>
-            <a:effectRef idx="0">
-              <a:scrgbClr r="0" g="0" b="0"/>
-            </a:effectRef>
-            <a:fontRef idx="minor">
-              <a:schemeClr val="tx1"/>
-            </a:fontRef>
-          </p:style>
-        </p:cxnSp>
-        <p:cxnSp>
-          <p:nvCxnSpPr>
-            <p:cNvPr id="55" name="Straight Arrow Connector 54">
-              <a:extLst>
-                <a:ext uri="{FF2B5EF4-FFF2-40B4-BE49-F238E27FC236}">
-                  <a16:creationId xmlns:a16="http://schemas.microsoft.com/office/drawing/2014/main" id="{4638C905-0D91-2399-C37D-4C0E55C1D46A}"/>
-                </a:ext>
-              </a:extLst>
-            </p:cNvPr>
-            <p:cNvCxnSpPr>
-              <a:cxnSpLocks/>
-              <a:stCxn id="45" idx="6"/>
-              <a:endCxn id="50" idx="2"/>
-            </p:cNvCxnSpPr>
-            <p:nvPr/>
-          </p:nvCxnSpPr>
-          <p:spPr>
-            <a:xfrm>
-              <a:off x="2418080" y="3209923"/>
-              <a:ext cx="1437640" cy="849773"/>
-            </a:xfrm>
-            <a:prstGeom prst="straightConnector1">
-              <a:avLst/>
-            </a:prstGeom>
-            <a:ln w="12700">
-              <a:tailEnd type="triangle"/>
-            </a:ln>
-          </p:spPr>
-          <p:style>
-            <a:lnRef idx="2">
-              <a:schemeClr val="dk1"/>
-            </a:lnRef>
-            <a:fillRef idx="0">
-              <a:schemeClr val="dk1"/>
-            </a:fillRef>
-            <a:effectRef idx="1">
-              <a:schemeClr val="dk1"/>
-            </a:effectRef>
-            <a:fontRef idx="minor">
-              <a:schemeClr val="tx1"/>
-            </a:fontRef>
-          </p:style>
-        </p:cxnSp>
-        <p:cxnSp>
-          <p:nvCxnSpPr>
-            <p:cNvPr id="56" name="Straight Arrow Connector 55">
-              <a:extLst>
-                <a:ext uri="{FF2B5EF4-FFF2-40B4-BE49-F238E27FC236}">
-                  <a16:creationId xmlns:a16="http://schemas.microsoft.com/office/drawing/2014/main" id="{DED346F2-FCAC-759F-21A7-0D1B3A900688}"/>
-                </a:ext>
-              </a:extLst>
-            </p:cNvPr>
-            <p:cNvCxnSpPr>
-              <a:cxnSpLocks/>
-              <a:stCxn id="44" idx="6"/>
-              <a:endCxn id="50" idx="2"/>
-            </p:cNvCxnSpPr>
-            <p:nvPr/>
-          </p:nvCxnSpPr>
-          <p:spPr>
-            <a:xfrm>
-              <a:off x="2418080" y="2592383"/>
-              <a:ext cx="1437640" cy="1467313"/>
-            </a:xfrm>
-            <a:prstGeom prst="straightConnector1">
-              <a:avLst/>
-            </a:prstGeom>
-            <a:ln w="12700">
-              <a:tailEnd type="triangle"/>
-            </a:ln>
-          </p:spPr>
-          <p:style>
-            <a:lnRef idx="1">
-              <a:schemeClr val="accent4"/>
-            </a:lnRef>
-            <a:fillRef idx="0">
-              <a:schemeClr val="accent4"/>
-            </a:fillRef>
-            <a:effectRef idx="0">
-              <a:schemeClr val="accent4"/>
-            </a:effectRef>
-            <a:fontRef idx="minor">
-              <a:schemeClr val="tx1"/>
-            </a:fontRef>
-          </p:style>
-        </p:cxnSp>
-        <p:cxnSp>
-          <p:nvCxnSpPr>
-            <p:cNvPr id="57" name="Straight Arrow Connector 56">
-              <a:extLst>
-                <a:ext uri="{FF2B5EF4-FFF2-40B4-BE49-F238E27FC236}">
-                  <a16:creationId xmlns:a16="http://schemas.microsoft.com/office/drawing/2014/main" id="{6EAFD92B-9CB8-2DF8-8C05-2D6C27063238}"/>
-                </a:ext>
-              </a:extLst>
-            </p:cNvPr>
-            <p:cNvCxnSpPr>
-              <a:cxnSpLocks/>
-              <a:stCxn id="44" idx="6"/>
-              <a:endCxn id="48" idx="2"/>
-            </p:cNvCxnSpPr>
-            <p:nvPr/>
-          </p:nvCxnSpPr>
-          <p:spPr>
-            <a:xfrm>
-              <a:off x="2418080" y="2592383"/>
-              <a:ext cx="1437639" cy="2710228"/>
-            </a:xfrm>
-            <a:prstGeom prst="straightConnector1">
-              <a:avLst/>
-            </a:prstGeom>
-            <a:ln w="12700">
-              <a:tailEnd type="triangle"/>
-            </a:ln>
-          </p:spPr>
-          <p:style>
-            <a:lnRef idx="1">
-              <a:schemeClr val="accent4"/>
-            </a:lnRef>
-            <a:fillRef idx="0">
-              <a:schemeClr val="accent4"/>
-            </a:fillRef>
-            <a:effectRef idx="0">
-              <a:schemeClr val="accent4"/>
-            </a:effectRef>
-            <a:fontRef idx="minor">
-              <a:schemeClr val="tx1"/>
-            </a:fontRef>
-          </p:style>
-        </p:cxnSp>
-        <p:cxnSp>
-          <p:nvCxnSpPr>
-            <p:cNvPr id="58" name="Straight Arrow Connector 57">
-              <a:extLst>
-                <a:ext uri="{FF2B5EF4-FFF2-40B4-BE49-F238E27FC236}">
-                  <a16:creationId xmlns:a16="http://schemas.microsoft.com/office/drawing/2014/main" id="{E44CFF00-F412-7142-7948-EF18E73C870C}"/>
-                </a:ext>
-              </a:extLst>
-            </p:cNvPr>
-            <p:cNvCxnSpPr>
-              <a:cxnSpLocks/>
-              <a:stCxn id="46" idx="6"/>
-              <a:endCxn id="48" idx="2"/>
-            </p:cNvCxnSpPr>
-            <p:nvPr/>
-          </p:nvCxnSpPr>
-          <p:spPr>
-            <a:xfrm>
-              <a:off x="2418080" y="3851904"/>
-              <a:ext cx="1437639" cy="1450707"/>
-            </a:xfrm>
-            <a:prstGeom prst="straightConnector1">
-              <a:avLst/>
-            </a:prstGeom>
-            <a:ln w="12700">
-              <a:tailEnd type="triangle"/>
-            </a:ln>
-          </p:spPr>
-          <p:style>
-            <a:lnRef idx="1">
-              <a:schemeClr val="accent1"/>
-            </a:lnRef>
-            <a:fillRef idx="0">
-              <a:schemeClr val="accent1"/>
-            </a:fillRef>
-            <a:effectRef idx="0">
-              <a:schemeClr val="accent1"/>
-            </a:effectRef>
-            <a:fontRef idx="minor">
-              <a:schemeClr val="tx1"/>
-            </a:fontRef>
-          </p:style>
-        </p:cxnSp>
-        <p:cxnSp>
-          <p:nvCxnSpPr>
-            <p:cNvPr id="59" name="Straight Arrow Connector 58">
-              <a:extLst>
-                <a:ext uri="{FF2B5EF4-FFF2-40B4-BE49-F238E27FC236}">
-                  <a16:creationId xmlns:a16="http://schemas.microsoft.com/office/drawing/2014/main" id="{3D65C88E-7032-5705-A87B-457F70F2F0E2}"/>
-                </a:ext>
-              </a:extLst>
-            </p:cNvPr>
-            <p:cNvCxnSpPr>
-              <a:cxnSpLocks/>
-              <a:stCxn id="45" idx="6"/>
-              <a:endCxn id="52" idx="2"/>
-            </p:cNvCxnSpPr>
-            <p:nvPr/>
-          </p:nvCxnSpPr>
-          <p:spPr>
-            <a:xfrm flipV="1">
-              <a:off x="2418080" y="2993863"/>
-              <a:ext cx="1437640" cy="216060"/>
-            </a:xfrm>
-            <a:prstGeom prst="straightConnector1">
-              <a:avLst/>
-            </a:prstGeom>
-            <a:ln w="12700">
-              <a:tailEnd type="triangle"/>
-            </a:ln>
-          </p:spPr>
-          <p:style>
-            <a:lnRef idx="2">
-              <a:schemeClr val="dk1"/>
-            </a:lnRef>
-            <a:fillRef idx="0">
-              <a:schemeClr val="dk1"/>
-            </a:fillRef>
-            <a:effectRef idx="1">
-              <a:schemeClr val="dk1"/>
-            </a:effectRef>
-            <a:fontRef idx="minor">
-              <a:schemeClr val="tx1"/>
-            </a:fontRef>
-          </p:style>
-        </p:cxnSp>
-        <p:cxnSp>
-          <p:nvCxnSpPr>
-            <p:cNvPr id="60" name="Straight Arrow Connector 59">
-              <a:extLst>
-                <a:ext uri="{FF2B5EF4-FFF2-40B4-BE49-F238E27FC236}">
-                  <a16:creationId xmlns:a16="http://schemas.microsoft.com/office/drawing/2014/main" id="{52AD8EFB-71C9-5320-0233-257292A132AD}"/>
-                </a:ext>
-              </a:extLst>
-            </p:cNvPr>
-            <p:cNvCxnSpPr>
-              <a:cxnSpLocks/>
-              <a:stCxn id="45" idx="6"/>
-              <a:endCxn id="48" idx="2"/>
-            </p:cNvCxnSpPr>
-            <p:nvPr/>
-          </p:nvCxnSpPr>
-          <p:spPr>
-            <a:xfrm>
-              <a:off x="2418080" y="3209923"/>
-              <a:ext cx="1437639" cy="2092688"/>
-            </a:xfrm>
-            <a:prstGeom prst="straightConnector1">
-              <a:avLst/>
-            </a:prstGeom>
-            <a:ln w="12700">
-              <a:tailEnd type="triangle"/>
-            </a:ln>
-          </p:spPr>
-          <p:style>
-            <a:lnRef idx="2">
-              <a:schemeClr val="dk1"/>
-            </a:lnRef>
-            <a:fillRef idx="0">
-              <a:schemeClr val="dk1"/>
-            </a:fillRef>
-            <a:effectRef idx="1">
-              <a:schemeClr val="dk1"/>
-            </a:effectRef>
-            <a:fontRef idx="minor">
-              <a:schemeClr val="tx1"/>
-            </a:fontRef>
-          </p:style>
-        </p:cxnSp>
-        <p:cxnSp>
-          <p:nvCxnSpPr>
-            <p:cNvPr id="61" name="Straight Arrow Connector 60">
-              <a:extLst>
-                <a:ext uri="{FF2B5EF4-FFF2-40B4-BE49-F238E27FC236}">
-                  <a16:creationId xmlns:a16="http://schemas.microsoft.com/office/drawing/2014/main" id="{DDDC654C-FF9B-68BC-ECC3-393B4AA238EE}"/>
-                </a:ext>
-              </a:extLst>
-            </p:cNvPr>
-            <p:cNvCxnSpPr>
-              <a:cxnSpLocks/>
-              <a:stCxn id="46" idx="6"/>
-              <a:endCxn id="52" idx="2"/>
-            </p:cNvCxnSpPr>
-            <p:nvPr/>
-          </p:nvCxnSpPr>
-          <p:spPr>
-            <a:xfrm flipV="1">
-              <a:off x="2418080" y="2993863"/>
-              <a:ext cx="1437640" cy="858041"/>
-            </a:xfrm>
-            <a:prstGeom prst="straightConnector1">
-              <a:avLst/>
-            </a:prstGeom>
-            <a:ln w="12700">
-              <a:tailEnd type="triangle"/>
-            </a:ln>
-          </p:spPr>
-          <p:style>
-            <a:lnRef idx="2">
-              <a:schemeClr val="accent1"/>
-            </a:lnRef>
-            <a:fillRef idx="0">
-              <a:schemeClr val="accent1"/>
-            </a:fillRef>
-            <a:effectRef idx="1">
-              <a:schemeClr val="accent1"/>
-            </a:effectRef>
-            <a:fontRef idx="minor">
-              <a:schemeClr val="tx1"/>
-            </a:fontRef>
-          </p:style>
-        </p:cxnSp>
-        <p:cxnSp>
-          <p:nvCxnSpPr>
-            <p:cNvPr id="62" name="Straight Arrow Connector 61">
-              <a:extLst>
-                <a:ext uri="{FF2B5EF4-FFF2-40B4-BE49-F238E27FC236}">
-                  <a16:creationId xmlns:a16="http://schemas.microsoft.com/office/drawing/2014/main" id="{B28DC24C-C580-3EB3-134C-946668B589DE}"/>
-                </a:ext>
-              </a:extLst>
-            </p:cNvPr>
-            <p:cNvCxnSpPr>
-              <a:cxnSpLocks/>
-              <a:stCxn id="46" idx="6"/>
-              <a:endCxn id="50" idx="2"/>
-            </p:cNvCxnSpPr>
-            <p:nvPr/>
-          </p:nvCxnSpPr>
-          <p:spPr>
-            <a:xfrm>
-              <a:off x="2418080" y="3851904"/>
-              <a:ext cx="1437640" cy="207792"/>
-            </a:xfrm>
-            <a:prstGeom prst="straightConnector1">
-              <a:avLst/>
-            </a:prstGeom>
-            <a:ln w="12700">
-              <a:tailEnd type="triangle"/>
-            </a:ln>
-          </p:spPr>
-          <p:style>
-            <a:lnRef idx="1">
-              <a:schemeClr val="accent1"/>
-            </a:lnRef>
-            <a:fillRef idx="0">
-              <a:schemeClr val="accent1"/>
-            </a:fillRef>
-            <a:effectRef idx="0">
-              <a:schemeClr val="accent1"/>
-            </a:effectRef>
-            <a:fontRef idx="minor">
-              <a:schemeClr val="tx1"/>
-            </a:fontRef>
-          </p:style>
-        </p:cxnSp>
-        <p:cxnSp>
-          <p:nvCxnSpPr>
-            <p:cNvPr id="63" name="Straight Arrow Connector 62">
-              <a:extLst>
-                <a:ext uri="{FF2B5EF4-FFF2-40B4-BE49-F238E27FC236}">
-                  <a16:creationId xmlns:a16="http://schemas.microsoft.com/office/drawing/2014/main" id="{E3E1CC3E-692B-0746-093D-1674AB0C36F7}"/>
-                </a:ext>
-              </a:extLst>
-            </p:cNvPr>
-            <p:cNvCxnSpPr>
-              <a:cxnSpLocks/>
-              <a:stCxn id="47" idx="6"/>
-              <a:endCxn id="52" idx="2"/>
-            </p:cNvCxnSpPr>
-            <p:nvPr/>
-          </p:nvCxnSpPr>
-          <p:spPr>
-            <a:xfrm flipV="1">
-              <a:off x="2418080" y="2993863"/>
-              <a:ext cx="1437640" cy="1504476"/>
-            </a:xfrm>
-            <a:prstGeom prst="straightConnector1">
-              <a:avLst/>
-            </a:prstGeom>
-            <a:ln w="12700">
-              <a:tailEnd type="triangle"/>
-            </a:ln>
-          </p:spPr>
-          <p:style>
-            <a:lnRef idx="2">
-              <a:schemeClr val="accent2"/>
-            </a:lnRef>
-            <a:fillRef idx="0">
-              <a:schemeClr val="accent2"/>
-            </a:fillRef>
-            <a:effectRef idx="1">
-              <a:schemeClr val="accent2"/>
-            </a:effectRef>
-            <a:fontRef idx="minor">
-              <a:schemeClr val="tx1"/>
-            </a:fontRef>
-          </p:style>
-        </p:cxnSp>
-        <p:cxnSp>
-          <p:nvCxnSpPr>
-            <p:cNvPr id="64" name="Straight Arrow Connector 63">
-              <a:extLst>
-                <a:ext uri="{FF2B5EF4-FFF2-40B4-BE49-F238E27FC236}">
-                  <a16:creationId xmlns:a16="http://schemas.microsoft.com/office/drawing/2014/main" id="{A344EB60-8422-4B72-AB8D-F3579965FF17}"/>
-                </a:ext>
-              </a:extLst>
-            </p:cNvPr>
-            <p:cNvCxnSpPr>
-              <a:cxnSpLocks/>
-              <a:stCxn id="47" idx="6"/>
-              <a:endCxn id="50" idx="2"/>
-            </p:cNvCxnSpPr>
-            <p:nvPr/>
-          </p:nvCxnSpPr>
-          <p:spPr>
-            <a:xfrm flipV="1">
-              <a:off x="2418080" y="4059696"/>
-              <a:ext cx="1437640" cy="438643"/>
-            </a:xfrm>
-            <a:prstGeom prst="straightConnector1">
-              <a:avLst/>
-            </a:prstGeom>
-            <a:ln w="12700">
-              <a:tailEnd type="triangle"/>
-            </a:ln>
-          </p:spPr>
-          <p:style>
-            <a:lnRef idx="1">
-              <a:schemeClr val="accent2"/>
-            </a:lnRef>
-            <a:fillRef idx="0">
-              <a:schemeClr val="accent2"/>
-            </a:fillRef>
-            <a:effectRef idx="0">
-              <a:schemeClr val="accent2"/>
-            </a:effectRef>
-            <a:fontRef idx="minor">
-              <a:schemeClr val="tx1"/>
-            </a:fontRef>
-          </p:style>
-        </p:cxnSp>
-        <p:cxnSp>
-          <p:nvCxnSpPr>
-            <p:cNvPr id="65" name="Straight Arrow Connector 64">
-              <a:extLst>
-                <a:ext uri="{FF2B5EF4-FFF2-40B4-BE49-F238E27FC236}">
-                  <a16:creationId xmlns:a16="http://schemas.microsoft.com/office/drawing/2014/main" id="{8B9A24B0-277C-6835-882D-7AD91883A46E}"/>
-                </a:ext>
-              </a:extLst>
-            </p:cNvPr>
-            <p:cNvCxnSpPr>
-              <a:cxnSpLocks/>
-              <a:stCxn id="47" idx="6"/>
-              <a:endCxn id="48" idx="2"/>
-            </p:cNvCxnSpPr>
-            <p:nvPr/>
-          </p:nvCxnSpPr>
-          <p:spPr>
-            <a:xfrm>
-              <a:off x="2418080" y="4498339"/>
-              <a:ext cx="1437639" cy="804272"/>
-            </a:xfrm>
-            <a:prstGeom prst="straightConnector1">
-              <a:avLst/>
-            </a:prstGeom>
-            <a:ln w="12700">
-              <a:tailEnd type="triangle"/>
-            </a:ln>
-          </p:spPr>
-          <p:style>
-            <a:lnRef idx="1">
-              <a:schemeClr val="accent2"/>
-            </a:lnRef>
-            <a:fillRef idx="0">
-              <a:schemeClr val="accent2"/>
-            </a:fillRef>
-            <a:effectRef idx="0">
-              <a:schemeClr val="accent2"/>
-            </a:effectRef>
-            <a:fontRef idx="minor">
-              <a:schemeClr val="tx1"/>
-            </a:fontRef>
-          </p:style>
-        </p:cxnSp>
-        <p:cxnSp>
-          <p:nvCxnSpPr>
-            <p:cNvPr id="66" name="Straight Arrow Connector 65">
-              <a:extLst>
-                <a:ext uri="{FF2B5EF4-FFF2-40B4-BE49-F238E27FC236}">
-                  <a16:creationId xmlns:a16="http://schemas.microsoft.com/office/drawing/2014/main" id="{DA7909AF-AE82-6EC4-0246-583E50E3BC6C}"/>
-                </a:ext>
-              </a:extLst>
-            </p:cNvPr>
-            <p:cNvCxnSpPr>
-              <a:cxnSpLocks/>
-              <a:stCxn id="43" idx="6"/>
-              <a:endCxn id="52" idx="2"/>
-            </p:cNvCxnSpPr>
-            <p:nvPr/>
-          </p:nvCxnSpPr>
-          <p:spPr>
-            <a:xfrm flipV="1">
-              <a:off x="2565136" y="2993863"/>
-              <a:ext cx="1290584" cy="2897339"/>
-            </a:xfrm>
-            <a:prstGeom prst="straightConnector1">
-              <a:avLst/>
-            </a:prstGeom>
-            <a:ln w="12700">
-              <a:tailEnd type="triangle"/>
-            </a:ln>
-          </p:spPr>
-          <p:style>
-            <a:lnRef idx="1">
-              <a:schemeClr val="accent6"/>
-            </a:lnRef>
-            <a:fillRef idx="0">
-              <a:schemeClr val="accent6"/>
-            </a:fillRef>
-            <a:effectRef idx="0">
-              <a:schemeClr val="accent6"/>
-            </a:effectRef>
-            <a:fontRef idx="minor">
-              <a:schemeClr val="tx1"/>
-            </a:fontRef>
-          </p:style>
-        </p:cxnSp>
-        <p:cxnSp>
-          <p:nvCxnSpPr>
-            <p:cNvPr id="67" name="Straight Arrow Connector 66">
-              <a:extLst>
-                <a:ext uri="{FF2B5EF4-FFF2-40B4-BE49-F238E27FC236}">
-                  <a16:creationId xmlns:a16="http://schemas.microsoft.com/office/drawing/2014/main" id="{B6FED31F-2B6E-AFBC-E56A-896E614D0EE3}"/>
-                </a:ext>
-              </a:extLst>
-            </p:cNvPr>
-            <p:cNvCxnSpPr>
-              <a:cxnSpLocks/>
-              <a:stCxn id="43" idx="6"/>
-              <a:endCxn id="50" idx="2"/>
-            </p:cNvCxnSpPr>
-            <p:nvPr/>
-          </p:nvCxnSpPr>
-          <p:spPr>
-            <a:xfrm flipV="1">
-              <a:off x="2565136" y="4059696"/>
-              <a:ext cx="1290584" cy="1831506"/>
-            </a:xfrm>
-            <a:prstGeom prst="straightConnector1">
-              <a:avLst/>
-            </a:prstGeom>
-            <a:ln w="12700">
-              <a:tailEnd type="triangle"/>
-            </a:ln>
-          </p:spPr>
-          <p:style>
-            <a:lnRef idx="1">
-              <a:schemeClr val="accent6"/>
-            </a:lnRef>
-            <a:fillRef idx="0">
-              <a:schemeClr val="accent6"/>
-            </a:fillRef>
-            <a:effectRef idx="0">
-              <a:schemeClr val="accent6"/>
-            </a:effectRef>
-            <a:fontRef idx="minor">
-              <a:schemeClr val="tx1"/>
-            </a:fontRef>
-          </p:style>
-        </p:cxnSp>
-        <p:cxnSp>
-          <p:nvCxnSpPr>
-            <p:cNvPr id="68" name="Straight Arrow Connector 67">
-              <a:extLst>
-                <a:ext uri="{FF2B5EF4-FFF2-40B4-BE49-F238E27FC236}">
-                  <a16:creationId xmlns:a16="http://schemas.microsoft.com/office/drawing/2014/main" id="{97F2868D-5AD8-76D4-F821-C505B15AF62F}"/>
-                </a:ext>
-              </a:extLst>
-            </p:cNvPr>
-            <p:cNvCxnSpPr>
-              <a:cxnSpLocks/>
-              <a:stCxn id="43" idx="6"/>
-              <a:endCxn id="48" idx="2"/>
-            </p:cNvCxnSpPr>
-            <p:nvPr/>
-          </p:nvCxnSpPr>
-          <p:spPr>
-            <a:xfrm flipV="1">
-              <a:off x="2565136" y="5302611"/>
-              <a:ext cx="1290583" cy="588591"/>
-            </a:xfrm>
-            <a:prstGeom prst="straightConnector1">
-              <a:avLst/>
-            </a:prstGeom>
-            <a:ln w="12700">
-              <a:tailEnd type="triangle"/>
-            </a:ln>
-          </p:spPr>
-          <p:style>
-            <a:lnRef idx="1">
-              <a:schemeClr val="accent6"/>
-            </a:lnRef>
-            <a:fillRef idx="0">
-              <a:schemeClr val="accent6"/>
-            </a:fillRef>
-            <a:effectRef idx="0">
-              <a:schemeClr val="accent6"/>
-            </a:effectRef>
-            <a:fontRef idx="minor">
-              <a:schemeClr val="tx1"/>
-            </a:fontRef>
-          </p:style>
-        </p:cxnSp>
-        <p:sp>
-          <p:nvSpPr>
-            <p:cNvPr id="69" name="Rectangle 68">
-              <a:extLst>
-                <a:ext uri="{FF2B5EF4-FFF2-40B4-BE49-F238E27FC236}">
-                  <a16:creationId xmlns:a16="http://schemas.microsoft.com/office/drawing/2014/main" id="{0DBAF56E-1337-7E76-1B8F-BC7F9E10A0C2}"/>
-                </a:ext>
-              </a:extLst>
-            </p:cNvPr>
-            <p:cNvSpPr/>
-            <p:nvPr/>
-          </p:nvSpPr>
-          <p:spPr>
-            <a:xfrm>
-              <a:off x="4145128" y="3046073"/>
-              <a:ext cx="574040" cy="460379"/>
-            </a:xfrm>
-            <a:prstGeom prst="rect">
-              <a:avLst/>
-            </a:prstGeom>
-            <a:noFill/>
-            <a:ln>
-              <a:noFill/>
-            </a:ln>
-          </p:spPr>
-          <p:style>
-            <a:lnRef idx="2">
-              <a:schemeClr val="accent1">
-                <a:shade val="15000"/>
-              </a:schemeClr>
-            </a:lnRef>
-            <a:fillRef idx="1">
-              <a:schemeClr val="accent1"/>
-            </a:fillRef>
-            <a:effectRef idx="0">
-              <a:schemeClr val="accent1"/>
-            </a:effectRef>
-            <a:fontRef idx="minor">
-              <a:schemeClr val="lt1"/>
-            </a:fontRef>
-          </p:style>
-          <p:txBody>
-            <a:bodyPr rtlCol="0" anchor="ctr"/>
-            <a:lstStyle/>
-            <a:p>
-              <a:pPr algn="ctr"/>
-              <a:r>
-                <a:rPr lang="en-IN" sz="1600" b="1" dirty="0">
-                  <a:solidFill>
-                    <a:schemeClr val="tx1"/>
-                  </a:solidFill>
-                </a:rPr>
-                <a:t>V0</a:t>
-              </a:r>
-            </a:p>
-          </p:txBody>
-        </p:sp>
-        <p:sp>
-          <p:nvSpPr>
-            <p:cNvPr id="70" name="Rectangle 69">
-              <a:extLst>
-                <a:ext uri="{FF2B5EF4-FFF2-40B4-BE49-F238E27FC236}">
-                  <a16:creationId xmlns:a16="http://schemas.microsoft.com/office/drawing/2014/main" id="{FD79C323-2A8B-5647-7845-2828F6F90102}"/>
-                </a:ext>
-              </a:extLst>
-            </p:cNvPr>
-            <p:cNvSpPr/>
-            <p:nvPr/>
-          </p:nvSpPr>
-          <p:spPr>
-            <a:xfrm>
-              <a:off x="4163058" y="4802887"/>
-              <a:ext cx="574040" cy="460379"/>
-            </a:xfrm>
-            <a:prstGeom prst="rect">
-              <a:avLst/>
-            </a:prstGeom>
-            <a:noFill/>
-            <a:ln>
-              <a:noFill/>
-            </a:ln>
-          </p:spPr>
-          <p:style>
-            <a:lnRef idx="2">
-              <a:schemeClr val="accent1">
-                <a:shade val="15000"/>
-              </a:schemeClr>
-            </a:lnRef>
-            <a:fillRef idx="1">
-              <a:schemeClr val="accent1"/>
-            </a:fillRef>
-            <a:effectRef idx="0">
-              <a:schemeClr val="accent1"/>
-            </a:effectRef>
-            <a:fontRef idx="minor">
-              <a:schemeClr val="lt1"/>
-            </a:fontRef>
-          </p:style>
-          <p:txBody>
-            <a:bodyPr rtlCol="0" anchor="ctr"/>
-            <a:lstStyle/>
-            <a:p>
-              <a:pPr algn="ctr"/>
-              <a:r>
-                <a:rPr lang="en-IN" sz="1600" b="1" dirty="0">
-                  <a:solidFill>
-                    <a:schemeClr val="tx1"/>
-                  </a:solidFill>
-                </a:rPr>
-                <a:t>V2</a:t>
-              </a:r>
-            </a:p>
-          </p:txBody>
-        </p:sp>
-        <p:sp>
-          <p:nvSpPr>
-            <p:cNvPr id="71" name="Rectangle 70">
-              <a:extLst>
-                <a:ext uri="{FF2B5EF4-FFF2-40B4-BE49-F238E27FC236}">
-                  <a16:creationId xmlns:a16="http://schemas.microsoft.com/office/drawing/2014/main" id="{C0BB3FC3-3FF6-879C-1463-67931F5CBD50}"/>
-                </a:ext>
-              </a:extLst>
-            </p:cNvPr>
-            <p:cNvSpPr/>
-            <p:nvPr/>
-          </p:nvSpPr>
-          <p:spPr>
-            <a:xfrm>
-              <a:off x="4000068" y="3930479"/>
-              <a:ext cx="574040" cy="460379"/>
-            </a:xfrm>
-            <a:prstGeom prst="rect">
-              <a:avLst/>
-            </a:prstGeom>
-            <a:noFill/>
-            <a:ln>
-              <a:noFill/>
-            </a:ln>
-          </p:spPr>
-          <p:style>
-            <a:lnRef idx="2">
-              <a:schemeClr val="accent1">
-                <a:shade val="15000"/>
-              </a:schemeClr>
-            </a:lnRef>
-            <a:fillRef idx="1">
-              <a:schemeClr val="accent1"/>
-            </a:fillRef>
-            <a:effectRef idx="0">
-              <a:schemeClr val="accent1"/>
-            </a:effectRef>
-            <a:fontRef idx="minor">
-              <a:schemeClr val="lt1"/>
-            </a:fontRef>
-          </p:style>
-          <p:txBody>
-            <a:bodyPr rtlCol="0" anchor="ctr"/>
-            <a:lstStyle/>
-            <a:p>
-              <a:pPr algn="ctr"/>
-              <a:r>
-                <a:rPr lang="en-IN" sz="1600" b="1" dirty="0">
-                  <a:solidFill>
-                    <a:schemeClr val="tx1"/>
-                  </a:solidFill>
-                </a:rPr>
-                <a:t>V1</a:t>
-              </a:r>
-            </a:p>
-          </p:txBody>
-        </p:sp>
-        <p:sp>
-          <p:nvSpPr>
-            <p:cNvPr id="72" name="Rectangle 71">
-              <a:extLst>
-                <a:ext uri="{FF2B5EF4-FFF2-40B4-BE49-F238E27FC236}">
-                  <a16:creationId xmlns:a16="http://schemas.microsoft.com/office/drawing/2014/main" id="{0A58179C-5566-E217-5B7D-9DCC4EA785FA}"/>
-                </a:ext>
-              </a:extLst>
-            </p:cNvPr>
-            <p:cNvSpPr/>
-            <p:nvPr/>
-          </p:nvSpPr>
-          <p:spPr>
-            <a:xfrm>
-              <a:off x="4665963" y="3744851"/>
-              <a:ext cx="1047702" cy="590255"/>
-            </a:xfrm>
-            <a:prstGeom prst="rect">
-              <a:avLst/>
-            </a:prstGeom>
-          </p:spPr>
-          <p:style>
-            <a:lnRef idx="1">
-              <a:schemeClr val="accent1"/>
-            </a:lnRef>
-            <a:fillRef idx="2">
-              <a:schemeClr val="accent1"/>
-            </a:fillRef>
-            <a:effectRef idx="1">
-              <a:schemeClr val="accent1"/>
-            </a:effectRef>
-            <a:fontRef idx="minor">
-              <a:schemeClr val="dk1"/>
-            </a:fontRef>
-          </p:style>
-          <p:txBody>
-            <a:bodyPr rtlCol="0" anchor="ctr"/>
-            <a:lstStyle/>
-            <a:p>
-              <a:pPr algn="ctr"/>
-              <a:r>
-                <a:rPr lang="en-IN" b="1" dirty="0"/>
-                <a:t>Argmax</a:t>
-              </a:r>
-            </a:p>
-          </p:txBody>
-        </p:sp>
-        <p:cxnSp>
-          <p:nvCxnSpPr>
-            <p:cNvPr id="73" name="Straight Arrow Connector 72">
-              <a:extLst>
-                <a:ext uri="{FF2B5EF4-FFF2-40B4-BE49-F238E27FC236}">
-                  <a16:creationId xmlns:a16="http://schemas.microsoft.com/office/drawing/2014/main" id="{3D11CA99-134D-6479-41F8-0FF8790C42D3}"/>
-                </a:ext>
-              </a:extLst>
-            </p:cNvPr>
-            <p:cNvCxnSpPr>
-              <a:cxnSpLocks/>
-              <a:stCxn id="52" idx="6"/>
-              <a:endCxn id="72" idx="1"/>
-            </p:cNvCxnSpPr>
-            <p:nvPr/>
-          </p:nvCxnSpPr>
-          <p:spPr>
-            <a:xfrm>
-              <a:off x="4095154" y="2993863"/>
-              <a:ext cx="570809" cy="1046116"/>
-            </a:xfrm>
-            <a:prstGeom prst="straightConnector1">
-              <a:avLst/>
-            </a:prstGeom>
-            <a:ln w="12700">
-              <a:solidFill>
-                <a:srgbClr val="7030A0"/>
-              </a:solidFill>
-              <a:tailEnd type="triangle"/>
-            </a:ln>
-          </p:spPr>
-          <p:style>
-            <a:lnRef idx="1">
-              <a:schemeClr val="accent1"/>
-            </a:lnRef>
-            <a:fillRef idx="0">
-              <a:schemeClr val="accent1"/>
-            </a:fillRef>
-            <a:effectRef idx="0">
-              <a:schemeClr val="accent1"/>
-            </a:effectRef>
-            <a:fontRef idx="minor">
-              <a:schemeClr val="tx1"/>
-            </a:fontRef>
-          </p:style>
-        </p:cxnSp>
-        <p:cxnSp>
-          <p:nvCxnSpPr>
-            <p:cNvPr id="74" name="Straight Arrow Connector 73">
-              <a:extLst>
-                <a:ext uri="{FF2B5EF4-FFF2-40B4-BE49-F238E27FC236}">
-                  <a16:creationId xmlns:a16="http://schemas.microsoft.com/office/drawing/2014/main" id="{CD16A7C7-3FFE-D097-0980-716C8B13CC21}"/>
-                </a:ext>
-              </a:extLst>
-            </p:cNvPr>
-            <p:cNvCxnSpPr>
-              <a:cxnSpLocks/>
-              <a:stCxn id="50" idx="6"/>
-              <a:endCxn id="72" idx="1"/>
-            </p:cNvCxnSpPr>
-            <p:nvPr/>
-          </p:nvCxnSpPr>
-          <p:spPr>
-            <a:xfrm flipV="1">
-              <a:off x="4094465" y="4039979"/>
-              <a:ext cx="571498" cy="19717"/>
-            </a:xfrm>
-            <a:prstGeom prst="straightConnector1">
-              <a:avLst/>
-            </a:prstGeom>
-            <a:ln w="12700">
-              <a:solidFill>
-                <a:srgbClr val="7030A0"/>
-              </a:solidFill>
-              <a:tailEnd type="triangle"/>
-            </a:ln>
-          </p:spPr>
-          <p:style>
-            <a:lnRef idx="1">
-              <a:schemeClr val="accent1"/>
-            </a:lnRef>
-            <a:fillRef idx="0">
-              <a:schemeClr val="accent1"/>
-            </a:fillRef>
-            <a:effectRef idx="0">
-              <a:schemeClr val="accent1"/>
-            </a:effectRef>
-            <a:fontRef idx="minor">
-              <a:schemeClr val="tx1"/>
-            </a:fontRef>
-          </p:style>
-        </p:cxnSp>
-        <p:cxnSp>
-          <p:nvCxnSpPr>
-            <p:cNvPr id="75" name="Straight Arrow Connector 74">
-              <a:extLst>
-                <a:ext uri="{FF2B5EF4-FFF2-40B4-BE49-F238E27FC236}">
-                  <a16:creationId xmlns:a16="http://schemas.microsoft.com/office/drawing/2014/main" id="{E2673997-A5BB-843F-D068-C1F50149DCD9}"/>
-                </a:ext>
-              </a:extLst>
-            </p:cNvPr>
-            <p:cNvCxnSpPr>
-              <a:cxnSpLocks/>
-              <a:stCxn id="48" idx="6"/>
-              <a:endCxn id="72" idx="1"/>
-            </p:cNvCxnSpPr>
-            <p:nvPr/>
-          </p:nvCxnSpPr>
-          <p:spPr>
-            <a:xfrm flipV="1">
-              <a:off x="4094464" y="4039979"/>
-              <a:ext cx="571499" cy="1262632"/>
-            </a:xfrm>
-            <a:prstGeom prst="straightConnector1">
-              <a:avLst/>
-            </a:prstGeom>
-            <a:ln w="12700">
-              <a:solidFill>
-                <a:srgbClr val="7030A0"/>
-              </a:solidFill>
-              <a:tailEnd type="triangle"/>
-            </a:ln>
-          </p:spPr>
-          <p:style>
-            <a:lnRef idx="1">
-              <a:schemeClr val="accent1"/>
-            </a:lnRef>
-            <a:fillRef idx="0">
-              <a:schemeClr val="accent1"/>
-            </a:fillRef>
-            <a:effectRef idx="0">
-              <a:schemeClr val="accent1"/>
-            </a:effectRef>
-            <a:fontRef idx="minor">
-              <a:schemeClr val="tx1"/>
-            </a:fontRef>
-          </p:style>
-        </p:cxnSp>
-        <p:sp>
-          <p:nvSpPr>
-            <p:cNvPr id="76" name="Rectangle 75">
-              <a:extLst>
-                <a:ext uri="{FF2B5EF4-FFF2-40B4-BE49-F238E27FC236}">
-                  <a16:creationId xmlns:a16="http://schemas.microsoft.com/office/drawing/2014/main" id="{C8D6F594-CC05-9450-0CC4-DC08C21E54AC}"/>
-                </a:ext>
-              </a:extLst>
-            </p:cNvPr>
-            <p:cNvSpPr/>
-            <p:nvPr/>
-          </p:nvSpPr>
-          <p:spPr>
-            <a:xfrm>
-              <a:off x="5954486" y="3740509"/>
-              <a:ext cx="1047702" cy="590255"/>
-            </a:xfrm>
-            <a:prstGeom prst="rect">
-              <a:avLst/>
-            </a:prstGeom>
-          </p:spPr>
-          <p:style>
-            <a:lnRef idx="1">
-              <a:schemeClr val="accent1"/>
-            </a:lnRef>
-            <a:fillRef idx="2">
-              <a:schemeClr val="accent1"/>
-            </a:fillRef>
-            <a:effectRef idx="1">
-              <a:schemeClr val="accent1"/>
-            </a:effectRef>
-            <a:fontRef idx="minor">
-              <a:schemeClr val="dk1"/>
-            </a:fontRef>
-          </p:style>
-          <p:txBody>
-            <a:bodyPr rtlCol="0" anchor="ctr"/>
-            <a:lstStyle/>
-            <a:p>
-              <a:pPr algn="ctr"/>
-              <a:r>
-                <a:rPr lang="en-IN" b="1" dirty="0"/>
-                <a:t>Output</a:t>
-              </a:r>
-            </a:p>
-          </p:txBody>
-        </p:sp>
-        <p:cxnSp>
-          <p:nvCxnSpPr>
-            <p:cNvPr id="77" name="Straight Arrow Connector 76">
-              <a:extLst>
-                <a:ext uri="{FF2B5EF4-FFF2-40B4-BE49-F238E27FC236}">
-                  <a16:creationId xmlns:a16="http://schemas.microsoft.com/office/drawing/2014/main" id="{E5E42DA2-E4FB-ABD4-71E9-2DF3D2CBF198}"/>
-                </a:ext>
-              </a:extLst>
-            </p:cNvPr>
-            <p:cNvCxnSpPr>
-              <a:cxnSpLocks/>
-              <a:stCxn id="72" idx="3"/>
-              <a:endCxn id="76" idx="1"/>
-            </p:cNvCxnSpPr>
-            <p:nvPr/>
-          </p:nvCxnSpPr>
-          <p:spPr>
-            <a:xfrm flipV="1">
-              <a:off x="5713665" y="4035637"/>
-              <a:ext cx="240821" cy="4342"/>
-            </a:xfrm>
-            <a:prstGeom prst="straightConnector1">
-              <a:avLst/>
-            </a:prstGeom>
-            <a:ln w="12700">
-              <a:solidFill>
-                <a:srgbClr val="7030A0"/>
-              </a:solidFill>
-              <a:tailEnd type="triangle"/>
-            </a:ln>
-          </p:spPr>
-          <p:style>
-            <a:lnRef idx="1">
-              <a:schemeClr val="accent1"/>
-            </a:lnRef>
-            <a:fillRef idx="0">
-              <a:schemeClr val="accent1"/>
-            </a:fillRef>
-            <a:effectRef idx="0">
-              <a:schemeClr val="accent1"/>
-            </a:effectRef>
-            <a:fontRef idx="minor">
-              <a:schemeClr val="tx1"/>
-            </a:fontRef>
-          </p:style>
-        </p:cxnSp>
-      </p:grpSp>
+            </a:solidFill>
+            <a:prstDash val="solid"/>
+            <a:round/>
+            <a:headEnd type="none" w="med" len="med"/>
+            <a:tailEnd type="arrow" w="med" len="med"/>
+          </a:ln>
+        </p:spPr>
+        <p:style>
+          <a:lnRef idx="0">
+            <a:scrgbClr r="0" g="0" b="0"/>
+          </a:lnRef>
+          <a:fillRef idx="0">
+            <a:scrgbClr r="0" g="0" b="0"/>
+          </a:fillRef>
+          <a:effectRef idx="0">
+            <a:scrgbClr r="0" g="0" b="0"/>
+          </a:effectRef>
+          <a:fontRef idx="minor">
+            <a:schemeClr val="tx1"/>
+          </a:fontRef>
+        </p:style>
+      </p:cxnSp>
+      <p:cxnSp>
+        <p:nvCxnSpPr>
+          <p:cNvPr id="55" name="Straight Arrow Connector 54">
+            <a:extLst>
+              <a:ext uri="{FF2B5EF4-FFF2-40B4-BE49-F238E27FC236}">
+                <a16:creationId xmlns:a16="http://schemas.microsoft.com/office/drawing/2014/main" id="{4638C905-0D91-2399-C37D-4C0E55C1D46A}"/>
+              </a:ext>
+            </a:extLst>
+          </p:cNvPr>
+          <p:cNvCxnSpPr>
+            <a:cxnSpLocks/>
+            <a:stCxn id="45" idx="6"/>
+            <a:endCxn id="50" idx="2"/>
+          </p:cNvCxnSpPr>
+          <p:nvPr/>
+        </p:nvCxnSpPr>
+        <p:spPr>
+          <a:xfrm>
+            <a:off x="6066443" y="2549530"/>
+            <a:ext cx="1437640" cy="849773"/>
+          </a:xfrm>
+          <a:prstGeom prst="straightConnector1">
+            <a:avLst/>
+          </a:prstGeom>
+          <a:ln w="28575">
+            <a:tailEnd type="triangle"/>
+          </a:ln>
+        </p:spPr>
+        <p:style>
+          <a:lnRef idx="2">
+            <a:schemeClr val="dk1"/>
+          </a:lnRef>
+          <a:fillRef idx="0">
+            <a:schemeClr val="dk1"/>
+          </a:fillRef>
+          <a:effectRef idx="1">
+            <a:schemeClr val="dk1"/>
+          </a:effectRef>
+          <a:fontRef idx="minor">
+            <a:schemeClr val="tx1"/>
+          </a:fontRef>
+        </p:style>
+      </p:cxnSp>
+      <p:cxnSp>
+        <p:nvCxnSpPr>
+          <p:cNvPr id="56" name="Straight Arrow Connector 55">
+            <a:extLst>
+              <a:ext uri="{FF2B5EF4-FFF2-40B4-BE49-F238E27FC236}">
+                <a16:creationId xmlns:a16="http://schemas.microsoft.com/office/drawing/2014/main" id="{DED346F2-FCAC-759F-21A7-0D1B3A900688}"/>
+              </a:ext>
+            </a:extLst>
+          </p:cNvPr>
+          <p:cNvCxnSpPr>
+            <a:cxnSpLocks/>
+            <a:stCxn id="44" idx="6"/>
+            <a:endCxn id="50" idx="2"/>
+          </p:cNvCxnSpPr>
+          <p:nvPr/>
+        </p:nvCxnSpPr>
+        <p:spPr>
+          <a:xfrm>
+            <a:off x="6066443" y="1931990"/>
+            <a:ext cx="1437640" cy="1467313"/>
+          </a:xfrm>
+          <a:prstGeom prst="straightConnector1">
+            <a:avLst/>
+          </a:prstGeom>
+          <a:ln w="28575">
+            <a:tailEnd type="triangle"/>
+          </a:ln>
+        </p:spPr>
+        <p:style>
+          <a:lnRef idx="1">
+            <a:schemeClr val="accent4"/>
+          </a:lnRef>
+          <a:fillRef idx="0">
+            <a:schemeClr val="accent4"/>
+          </a:fillRef>
+          <a:effectRef idx="0">
+            <a:schemeClr val="accent4"/>
+          </a:effectRef>
+          <a:fontRef idx="minor">
+            <a:schemeClr val="tx1"/>
+          </a:fontRef>
+        </p:style>
+      </p:cxnSp>
+      <p:cxnSp>
+        <p:nvCxnSpPr>
+          <p:cNvPr id="57" name="Straight Arrow Connector 56">
+            <a:extLst>
+              <a:ext uri="{FF2B5EF4-FFF2-40B4-BE49-F238E27FC236}">
+                <a16:creationId xmlns:a16="http://schemas.microsoft.com/office/drawing/2014/main" id="{6EAFD92B-9CB8-2DF8-8C05-2D6C27063238}"/>
+              </a:ext>
+            </a:extLst>
+          </p:cNvPr>
+          <p:cNvCxnSpPr>
+            <a:cxnSpLocks/>
+            <a:stCxn id="44" idx="6"/>
+            <a:endCxn id="48" idx="2"/>
+          </p:cNvCxnSpPr>
+          <p:nvPr/>
+        </p:nvCxnSpPr>
+        <p:spPr>
+          <a:xfrm>
+            <a:off x="6066443" y="1931990"/>
+            <a:ext cx="1437639" cy="2710228"/>
+          </a:xfrm>
+          <a:prstGeom prst="straightConnector1">
+            <a:avLst/>
+          </a:prstGeom>
+          <a:ln w="28575">
+            <a:tailEnd type="triangle"/>
+          </a:ln>
+        </p:spPr>
+        <p:style>
+          <a:lnRef idx="1">
+            <a:schemeClr val="accent4"/>
+          </a:lnRef>
+          <a:fillRef idx="0">
+            <a:schemeClr val="accent4"/>
+          </a:fillRef>
+          <a:effectRef idx="0">
+            <a:schemeClr val="accent4"/>
+          </a:effectRef>
+          <a:fontRef idx="minor">
+            <a:schemeClr val="tx1"/>
+          </a:fontRef>
+        </p:style>
+      </p:cxnSp>
+      <p:cxnSp>
+        <p:nvCxnSpPr>
+          <p:cNvPr id="58" name="Straight Arrow Connector 57">
+            <a:extLst>
+              <a:ext uri="{FF2B5EF4-FFF2-40B4-BE49-F238E27FC236}">
+                <a16:creationId xmlns:a16="http://schemas.microsoft.com/office/drawing/2014/main" id="{E44CFF00-F412-7142-7948-EF18E73C870C}"/>
+              </a:ext>
+            </a:extLst>
+          </p:cNvPr>
+          <p:cNvCxnSpPr>
+            <a:cxnSpLocks/>
+            <a:stCxn id="46" idx="6"/>
+            <a:endCxn id="48" idx="2"/>
+          </p:cNvCxnSpPr>
+          <p:nvPr/>
+        </p:nvCxnSpPr>
+        <p:spPr>
+          <a:xfrm>
+            <a:off x="6066443" y="3191511"/>
+            <a:ext cx="1437639" cy="1450707"/>
+          </a:xfrm>
+          <a:prstGeom prst="straightConnector1">
+            <a:avLst/>
+          </a:prstGeom>
+          <a:ln w="28575">
+            <a:tailEnd type="triangle"/>
+          </a:ln>
+        </p:spPr>
+        <p:style>
+          <a:lnRef idx="1">
+            <a:schemeClr val="accent1"/>
+          </a:lnRef>
+          <a:fillRef idx="0">
+            <a:schemeClr val="accent1"/>
+          </a:fillRef>
+          <a:effectRef idx="0">
+            <a:schemeClr val="accent1"/>
+          </a:effectRef>
+          <a:fontRef idx="minor">
+            <a:schemeClr val="tx1"/>
+          </a:fontRef>
+        </p:style>
+      </p:cxnSp>
+      <p:cxnSp>
+        <p:nvCxnSpPr>
+          <p:cNvPr id="59" name="Straight Arrow Connector 58">
+            <a:extLst>
+              <a:ext uri="{FF2B5EF4-FFF2-40B4-BE49-F238E27FC236}">
+                <a16:creationId xmlns:a16="http://schemas.microsoft.com/office/drawing/2014/main" id="{3D65C88E-7032-5705-A87B-457F70F2F0E2}"/>
+              </a:ext>
+            </a:extLst>
+          </p:cNvPr>
+          <p:cNvCxnSpPr>
+            <a:cxnSpLocks/>
+            <a:stCxn id="45" idx="6"/>
+            <a:endCxn id="52" idx="2"/>
+          </p:cNvCxnSpPr>
+          <p:nvPr/>
+        </p:nvCxnSpPr>
+        <p:spPr>
+          <a:xfrm flipV="1">
+            <a:off x="6066443" y="2333470"/>
+            <a:ext cx="1437640" cy="216060"/>
+          </a:xfrm>
+          <a:prstGeom prst="straightConnector1">
+            <a:avLst/>
+          </a:prstGeom>
+          <a:ln w="28575">
+            <a:tailEnd type="triangle"/>
+          </a:ln>
+        </p:spPr>
+        <p:style>
+          <a:lnRef idx="2">
+            <a:schemeClr val="dk1"/>
+          </a:lnRef>
+          <a:fillRef idx="0">
+            <a:schemeClr val="dk1"/>
+          </a:fillRef>
+          <a:effectRef idx="1">
+            <a:schemeClr val="dk1"/>
+          </a:effectRef>
+          <a:fontRef idx="minor">
+            <a:schemeClr val="tx1"/>
+          </a:fontRef>
+        </p:style>
+      </p:cxnSp>
+      <p:cxnSp>
+        <p:nvCxnSpPr>
+          <p:cNvPr id="60" name="Straight Arrow Connector 59">
+            <a:extLst>
+              <a:ext uri="{FF2B5EF4-FFF2-40B4-BE49-F238E27FC236}">
+                <a16:creationId xmlns:a16="http://schemas.microsoft.com/office/drawing/2014/main" id="{52AD8EFB-71C9-5320-0233-257292A132AD}"/>
+              </a:ext>
+            </a:extLst>
+          </p:cNvPr>
+          <p:cNvCxnSpPr>
+            <a:cxnSpLocks/>
+            <a:stCxn id="45" idx="6"/>
+            <a:endCxn id="48" idx="2"/>
+          </p:cNvCxnSpPr>
+          <p:nvPr/>
+        </p:nvCxnSpPr>
+        <p:spPr>
+          <a:xfrm>
+            <a:off x="6066443" y="2549530"/>
+            <a:ext cx="1437639" cy="2092688"/>
+          </a:xfrm>
+          <a:prstGeom prst="straightConnector1">
+            <a:avLst/>
+          </a:prstGeom>
+          <a:ln w="28575">
+            <a:tailEnd type="triangle"/>
+          </a:ln>
+        </p:spPr>
+        <p:style>
+          <a:lnRef idx="2">
+            <a:schemeClr val="dk1"/>
+          </a:lnRef>
+          <a:fillRef idx="0">
+            <a:schemeClr val="dk1"/>
+          </a:fillRef>
+          <a:effectRef idx="1">
+            <a:schemeClr val="dk1"/>
+          </a:effectRef>
+          <a:fontRef idx="minor">
+            <a:schemeClr val="tx1"/>
+          </a:fontRef>
+        </p:style>
+      </p:cxnSp>
+      <p:cxnSp>
+        <p:nvCxnSpPr>
+          <p:cNvPr id="61" name="Straight Arrow Connector 60">
+            <a:extLst>
+              <a:ext uri="{FF2B5EF4-FFF2-40B4-BE49-F238E27FC236}">
+                <a16:creationId xmlns:a16="http://schemas.microsoft.com/office/drawing/2014/main" id="{DDDC654C-FF9B-68BC-ECC3-393B4AA238EE}"/>
+              </a:ext>
+            </a:extLst>
+          </p:cNvPr>
+          <p:cNvCxnSpPr>
+            <a:cxnSpLocks/>
+            <a:stCxn id="46" idx="6"/>
+            <a:endCxn id="52" idx="2"/>
+          </p:cNvCxnSpPr>
+          <p:nvPr/>
+        </p:nvCxnSpPr>
+        <p:spPr>
+          <a:xfrm flipV="1">
+            <a:off x="6066443" y="2333470"/>
+            <a:ext cx="1437640" cy="858041"/>
+          </a:xfrm>
+          <a:prstGeom prst="straightConnector1">
+            <a:avLst/>
+          </a:prstGeom>
+          <a:ln w="28575">
+            <a:tailEnd type="triangle"/>
+          </a:ln>
+        </p:spPr>
+        <p:style>
+          <a:lnRef idx="2">
+            <a:schemeClr val="accent1"/>
+          </a:lnRef>
+          <a:fillRef idx="0">
+            <a:schemeClr val="accent1"/>
+          </a:fillRef>
+          <a:effectRef idx="1">
+            <a:schemeClr val="accent1"/>
+          </a:effectRef>
+          <a:fontRef idx="minor">
+            <a:schemeClr val="tx1"/>
+          </a:fontRef>
+        </p:style>
+      </p:cxnSp>
+      <p:cxnSp>
+        <p:nvCxnSpPr>
+          <p:cNvPr id="62" name="Straight Arrow Connector 61">
+            <a:extLst>
+              <a:ext uri="{FF2B5EF4-FFF2-40B4-BE49-F238E27FC236}">
+                <a16:creationId xmlns:a16="http://schemas.microsoft.com/office/drawing/2014/main" id="{B28DC24C-C580-3EB3-134C-946668B589DE}"/>
+              </a:ext>
+            </a:extLst>
+          </p:cNvPr>
+          <p:cNvCxnSpPr>
+            <a:cxnSpLocks/>
+            <a:stCxn id="46" idx="6"/>
+            <a:endCxn id="50" idx="2"/>
+          </p:cNvCxnSpPr>
+          <p:nvPr/>
+        </p:nvCxnSpPr>
+        <p:spPr>
+          <a:xfrm>
+            <a:off x="6066443" y="3191511"/>
+            <a:ext cx="1437640" cy="207792"/>
+          </a:xfrm>
+          <a:prstGeom prst="straightConnector1">
+            <a:avLst/>
+          </a:prstGeom>
+          <a:ln w="28575">
+            <a:tailEnd type="triangle"/>
+          </a:ln>
+        </p:spPr>
+        <p:style>
+          <a:lnRef idx="1">
+            <a:schemeClr val="accent1"/>
+          </a:lnRef>
+          <a:fillRef idx="0">
+            <a:schemeClr val="accent1"/>
+          </a:fillRef>
+          <a:effectRef idx="0">
+            <a:schemeClr val="accent1"/>
+          </a:effectRef>
+          <a:fontRef idx="minor">
+            <a:schemeClr val="tx1"/>
+          </a:fontRef>
+        </p:style>
+      </p:cxnSp>
+      <p:cxnSp>
+        <p:nvCxnSpPr>
+          <p:cNvPr id="63" name="Straight Arrow Connector 62">
+            <a:extLst>
+              <a:ext uri="{FF2B5EF4-FFF2-40B4-BE49-F238E27FC236}">
+                <a16:creationId xmlns:a16="http://schemas.microsoft.com/office/drawing/2014/main" id="{E3E1CC3E-692B-0746-093D-1674AB0C36F7}"/>
+              </a:ext>
+            </a:extLst>
+          </p:cNvPr>
+          <p:cNvCxnSpPr>
+            <a:cxnSpLocks/>
+            <a:stCxn id="47" idx="6"/>
+            <a:endCxn id="52" idx="2"/>
+          </p:cNvCxnSpPr>
+          <p:nvPr/>
+        </p:nvCxnSpPr>
+        <p:spPr>
+          <a:xfrm flipV="1">
+            <a:off x="6066443" y="2333470"/>
+            <a:ext cx="1437640" cy="1504476"/>
+          </a:xfrm>
+          <a:prstGeom prst="straightConnector1">
+            <a:avLst/>
+          </a:prstGeom>
+          <a:ln w="28575">
+            <a:tailEnd type="triangle"/>
+          </a:ln>
+        </p:spPr>
+        <p:style>
+          <a:lnRef idx="2">
+            <a:schemeClr val="accent2"/>
+          </a:lnRef>
+          <a:fillRef idx="0">
+            <a:schemeClr val="accent2"/>
+          </a:fillRef>
+          <a:effectRef idx="1">
+            <a:schemeClr val="accent2"/>
+          </a:effectRef>
+          <a:fontRef idx="minor">
+            <a:schemeClr val="tx1"/>
+          </a:fontRef>
+        </p:style>
+      </p:cxnSp>
+      <p:cxnSp>
+        <p:nvCxnSpPr>
+          <p:cNvPr id="64" name="Straight Arrow Connector 63">
+            <a:extLst>
+              <a:ext uri="{FF2B5EF4-FFF2-40B4-BE49-F238E27FC236}">
+                <a16:creationId xmlns:a16="http://schemas.microsoft.com/office/drawing/2014/main" id="{A344EB60-8422-4B72-AB8D-F3579965FF17}"/>
+              </a:ext>
+            </a:extLst>
+          </p:cNvPr>
+          <p:cNvCxnSpPr>
+            <a:cxnSpLocks/>
+            <a:stCxn id="47" idx="6"/>
+            <a:endCxn id="50" idx="2"/>
+          </p:cNvCxnSpPr>
+          <p:nvPr/>
+        </p:nvCxnSpPr>
+        <p:spPr>
+          <a:xfrm flipV="1">
+            <a:off x="6066443" y="3399303"/>
+            <a:ext cx="1437640" cy="438643"/>
+          </a:xfrm>
+          <a:prstGeom prst="straightConnector1">
+            <a:avLst/>
+          </a:prstGeom>
+          <a:ln w="28575">
+            <a:tailEnd type="triangle"/>
+          </a:ln>
+        </p:spPr>
+        <p:style>
+          <a:lnRef idx="1">
+            <a:schemeClr val="accent2"/>
+          </a:lnRef>
+          <a:fillRef idx="0">
+            <a:schemeClr val="accent2"/>
+          </a:fillRef>
+          <a:effectRef idx="0">
+            <a:schemeClr val="accent2"/>
+          </a:effectRef>
+          <a:fontRef idx="minor">
+            <a:schemeClr val="tx1"/>
+          </a:fontRef>
+        </p:style>
+      </p:cxnSp>
+      <p:cxnSp>
+        <p:nvCxnSpPr>
+          <p:cNvPr id="65" name="Straight Arrow Connector 64">
+            <a:extLst>
+              <a:ext uri="{FF2B5EF4-FFF2-40B4-BE49-F238E27FC236}">
+                <a16:creationId xmlns:a16="http://schemas.microsoft.com/office/drawing/2014/main" id="{8B9A24B0-277C-6835-882D-7AD91883A46E}"/>
+              </a:ext>
+            </a:extLst>
+          </p:cNvPr>
+          <p:cNvCxnSpPr>
+            <a:cxnSpLocks/>
+            <a:stCxn id="47" idx="6"/>
+            <a:endCxn id="48" idx="2"/>
+          </p:cNvCxnSpPr>
+          <p:nvPr/>
+        </p:nvCxnSpPr>
+        <p:spPr>
+          <a:xfrm>
+            <a:off x="6066443" y="3837946"/>
+            <a:ext cx="1437639" cy="804272"/>
+          </a:xfrm>
+          <a:prstGeom prst="straightConnector1">
+            <a:avLst/>
+          </a:prstGeom>
+          <a:ln w="28575">
+            <a:tailEnd type="triangle"/>
+          </a:ln>
+        </p:spPr>
+        <p:style>
+          <a:lnRef idx="1">
+            <a:schemeClr val="accent2"/>
+          </a:lnRef>
+          <a:fillRef idx="0">
+            <a:schemeClr val="accent2"/>
+          </a:fillRef>
+          <a:effectRef idx="0">
+            <a:schemeClr val="accent2"/>
+          </a:effectRef>
+          <a:fontRef idx="minor">
+            <a:schemeClr val="tx1"/>
+          </a:fontRef>
+        </p:style>
+      </p:cxnSp>
+      <p:cxnSp>
+        <p:nvCxnSpPr>
+          <p:cNvPr id="66" name="Straight Arrow Connector 65">
+            <a:extLst>
+              <a:ext uri="{FF2B5EF4-FFF2-40B4-BE49-F238E27FC236}">
+                <a16:creationId xmlns:a16="http://schemas.microsoft.com/office/drawing/2014/main" id="{DA7909AF-AE82-6EC4-0246-583E50E3BC6C}"/>
+              </a:ext>
+            </a:extLst>
+          </p:cNvPr>
+          <p:cNvCxnSpPr>
+            <a:cxnSpLocks/>
+            <a:stCxn id="43" idx="6"/>
+            <a:endCxn id="52" idx="2"/>
+          </p:cNvCxnSpPr>
+          <p:nvPr/>
+        </p:nvCxnSpPr>
+        <p:spPr>
+          <a:xfrm flipV="1">
+            <a:off x="6281426" y="2333470"/>
+            <a:ext cx="1222657" cy="2889739"/>
+          </a:xfrm>
+          <a:prstGeom prst="straightConnector1">
+            <a:avLst/>
+          </a:prstGeom>
+          <a:ln w="28575">
+            <a:tailEnd type="triangle"/>
+          </a:ln>
+        </p:spPr>
+        <p:style>
+          <a:lnRef idx="1">
+            <a:schemeClr val="accent6"/>
+          </a:lnRef>
+          <a:fillRef idx="0">
+            <a:schemeClr val="accent6"/>
+          </a:fillRef>
+          <a:effectRef idx="0">
+            <a:schemeClr val="accent6"/>
+          </a:effectRef>
+          <a:fontRef idx="minor">
+            <a:schemeClr val="tx1"/>
+          </a:fontRef>
+        </p:style>
+      </p:cxnSp>
+      <p:cxnSp>
+        <p:nvCxnSpPr>
+          <p:cNvPr id="67" name="Straight Arrow Connector 66">
+            <a:extLst>
+              <a:ext uri="{FF2B5EF4-FFF2-40B4-BE49-F238E27FC236}">
+                <a16:creationId xmlns:a16="http://schemas.microsoft.com/office/drawing/2014/main" id="{B6FED31F-2B6E-AFBC-E56A-896E614D0EE3}"/>
+              </a:ext>
+            </a:extLst>
+          </p:cNvPr>
+          <p:cNvCxnSpPr>
+            <a:cxnSpLocks/>
+            <a:stCxn id="43" idx="6"/>
+            <a:endCxn id="50" idx="2"/>
+          </p:cNvCxnSpPr>
+          <p:nvPr/>
+        </p:nvCxnSpPr>
+        <p:spPr>
+          <a:xfrm flipV="1">
+            <a:off x="6281426" y="3399303"/>
+            <a:ext cx="1222657" cy="1823906"/>
+          </a:xfrm>
+          <a:prstGeom prst="straightConnector1">
+            <a:avLst/>
+          </a:prstGeom>
+          <a:ln w="28575">
+            <a:tailEnd type="triangle"/>
+          </a:ln>
+        </p:spPr>
+        <p:style>
+          <a:lnRef idx="1">
+            <a:schemeClr val="accent6"/>
+          </a:lnRef>
+          <a:fillRef idx="0">
+            <a:schemeClr val="accent6"/>
+          </a:fillRef>
+          <a:effectRef idx="0">
+            <a:schemeClr val="accent6"/>
+          </a:effectRef>
+          <a:fontRef idx="minor">
+            <a:schemeClr val="tx1"/>
+          </a:fontRef>
+        </p:style>
+      </p:cxnSp>
+      <p:cxnSp>
+        <p:nvCxnSpPr>
+          <p:cNvPr id="68" name="Straight Arrow Connector 67">
+            <a:extLst>
+              <a:ext uri="{FF2B5EF4-FFF2-40B4-BE49-F238E27FC236}">
+                <a16:creationId xmlns:a16="http://schemas.microsoft.com/office/drawing/2014/main" id="{97F2868D-5AD8-76D4-F821-C505B15AF62F}"/>
+              </a:ext>
+            </a:extLst>
+          </p:cNvPr>
+          <p:cNvCxnSpPr>
+            <a:cxnSpLocks/>
+            <a:stCxn id="43" idx="6"/>
+            <a:endCxn id="48" idx="2"/>
+          </p:cNvCxnSpPr>
+          <p:nvPr/>
+        </p:nvCxnSpPr>
+        <p:spPr>
+          <a:xfrm flipV="1">
+            <a:off x="6281426" y="4642218"/>
+            <a:ext cx="1222656" cy="580991"/>
+          </a:xfrm>
+          <a:prstGeom prst="straightConnector1">
+            <a:avLst/>
+          </a:prstGeom>
+          <a:ln w="28575">
+            <a:tailEnd type="triangle"/>
+          </a:ln>
+        </p:spPr>
+        <p:style>
+          <a:lnRef idx="1">
+            <a:schemeClr val="accent6"/>
+          </a:lnRef>
+          <a:fillRef idx="0">
+            <a:schemeClr val="accent6"/>
+          </a:fillRef>
+          <a:effectRef idx="0">
+            <a:schemeClr val="accent6"/>
+          </a:effectRef>
+          <a:fontRef idx="minor">
+            <a:schemeClr val="tx1"/>
+          </a:fontRef>
+        </p:style>
+      </p:cxnSp>
+      <p:cxnSp>
+        <p:nvCxnSpPr>
+          <p:cNvPr id="74" name="Straight Arrow Connector 73">
+            <a:extLst>
+              <a:ext uri="{FF2B5EF4-FFF2-40B4-BE49-F238E27FC236}">
+                <a16:creationId xmlns:a16="http://schemas.microsoft.com/office/drawing/2014/main" id="{CD16A7C7-3FFE-D097-0980-716C8B13CC21}"/>
+              </a:ext>
+            </a:extLst>
+          </p:cNvPr>
+          <p:cNvCxnSpPr>
+            <a:cxnSpLocks/>
+            <a:stCxn id="50" idx="6"/>
+            <a:endCxn id="72" idx="1"/>
+          </p:cNvCxnSpPr>
+          <p:nvPr/>
+        </p:nvCxnSpPr>
+        <p:spPr>
+          <a:xfrm flipV="1">
+            <a:off x="7742828" y="3379586"/>
+            <a:ext cx="571498" cy="19717"/>
+          </a:xfrm>
+          <a:prstGeom prst="straightConnector1">
+            <a:avLst/>
+          </a:prstGeom>
+          <a:ln w="28575">
+            <a:solidFill>
+              <a:srgbClr val="7030A0"/>
+            </a:solidFill>
+            <a:tailEnd type="triangle"/>
+          </a:ln>
+        </p:spPr>
+        <p:style>
+          <a:lnRef idx="1">
+            <a:schemeClr val="accent1"/>
+          </a:lnRef>
+          <a:fillRef idx="0">
+            <a:schemeClr val="accent1"/>
+          </a:fillRef>
+          <a:effectRef idx="0">
+            <a:schemeClr val="accent1"/>
+          </a:effectRef>
+          <a:fontRef idx="minor">
+            <a:schemeClr val="tx1"/>
+          </a:fontRef>
+        </p:style>
+      </p:cxnSp>
+      <p:cxnSp>
+        <p:nvCxnSpPr>
+          <p:cNvPr id="77" name="Straight Arrow Connector 76">
+            <a:extLst>
+              <a:ext uri="{FF2B5EF4-FFF2-40B4-BE49-F238E27FC236}">
+                <a16:creationId xmlns:a16="http://schemas.microsoft.com/office/drawing/2014/main" id="{E5E42DA2-E4FB-ABD4-71E9-2DF3D2CBF198}"/>
+              </a:ext>
+            </a:extLst>
+          </p:cNvPr>
+          <p:cNvCxnSpPr>
+            <a:cxnSpLocks/>
+            <a:stCxn id="72" idx="3"/>
+            <a:endCxn id="76" idx="1"/>
+          </p:cNvCxnSpPr>
+          <p:nvPr/>
+        </p:nvCxnSpPr>
+        <p:spPr>
+          <a:xfrm flipV="1">
+            <a:off x="9362028" y="3375244"/>
+            <a:ext cx="240821" cy="4342"/>
+          </a:xfrm>
+          <a:prstGeom prst="straightConnector1">
+            <a:avLst/>
+          </a:prstGeom>
+          <a:ln w="28575">
+            <a:solidFill>
+              <a:srgbClr val="7030A0"/>
+            </a:solidFill>
+            <a:tailEnd type="triangle"/>
+          </a:ln>
+        </p:spPr>
+        <p:style>
+          <a:lnRef idx="1">
+            <a:schemeClr val="accent1"/>
+          </a:lnRef>
+          <a:fillRef idx="0">
+            <a:schemeClr val="accent1"/>
+          </a:fillRef>
+          <a:effectRef idx="0">
+            <a:schemeClr val="accent1"/>
+          </a:effectRef>
+          <a:fontRef idx="minor">
+            <a:schemeClr val="tx1"/>
+          </a:fontRef>
+        </p:style>
+      </p:cxnSp>
       <p:sp>
         <p:nvSpPr>
           <p:cNvPr id="79" name="Rectangle 78">
@@ -9539,6 +9461,99 @@
           </a:p>
         </p:txBody>
       </p:sp>
+      <p:cxnSp>
+        <p:nvCxnSpPr>
+          <p:cNvPr id="7" name="Connector: Curved 6">
+            <a:extLst>
+              <a:ext uri="{FF2B5EF4-FFF2-40B4-BE49-F238E27FC236}">
+                <a16:creationId xmlns:a16="http://schemas.microsoft.com/office/drawing/2014/main" id="{C07B5679-EAD8-FA1B-619E-3960DBE68613}"/>
+              </a:ext>
+            </a:extLst>
+          </p:cNvPr>
+          <p:cNvCxnSpPr>
+            <a:stCxn id="52" idx="6"/>
+            <a:endCxn id="72" idx="1"/>
+          </p:cNvCxnSpPr>
+          <p:nvPr/>
+        </p:nvCxnSpPr>
+        <p:spPr>
+          <a:xfrm>
+            <a:off x="7743517" y="2333470"/>
+            <a:ext cx="570809" cy="1046116"/>
+          </a:xfrm>
+          <a:prstGeom prst="curvedConnector3">
+            <a:avLst/>
+          </a:prstGeom>
+          <a:ln w="28575">
+            <a:solidFill>
+              <a:srgbClr val="7030A0"/>
+            </a:solidFill>
+            <a:tailEnd type="triangle"/>
+          </a:ln>
+        </p:spPr>
+        <p:style>
+          <a:lnRef idx="1">
+            <a:schemeClr val="accent1"/>
+          </a:lnRef>
+          <a:fillRef idx="0">
+            <a:schemeClr val="accent1"/>
+          </a:fillRef>
+          <a:effectRef idx="0">
+            <a:schemeClr val="accent1"/>
+          </a:effectRef>
+          <a:fontRef idx="minor">
+            <a:schemeClr val="tx1"/>
+          </a:fontRef>
+        </p:style>
+      </p:cxnSp>
+      <p:cxnSp>
+        <p:nvCxnSpPr>
+          <p:cNvPr id="8" name="Connector: Curved 7">
+            <a:extLst>
+              <a:ext uri="{FF2B5EF4-FFF2-40B4-BE49-F238E27FC236}">
+                <a16:creationId xmlns:a16="http://schemas.microsoft.com/office/drawing/2014/main" id="{7B149EAF-2A5D-79D2-CEC6-7D5D6BA4612E}"/>
+              </a:ext>
+            </a:extLst>
+          </p:cNvPr>
+          <p:cNvCxnSpPr>
+            <a:cxnSpLocks/>
+            <a:stCxn id="48" idx="6"/>
+            <a:endCxn id="72" idx="1"/>
+          </p:cNvCxnSpPr>
+          <p:nvPr/>
+        </p:nvCxnSpPr>
+        <p:spPr>
+          <a:xfrm flipV="1">
+            <a:off x="7742827" y="3379586"/>
+            <a:ext cx="571499" cy="1262632"/>
+          </a:xfrm>
+          <a:prstGeom prst="curvedConnector3">
+            <a:avLst>
+              <a:gd name="adj1" fmla="val 50000"/>
+            </a:avLst>
+          </a:prstGeom>
+          <a:ln w="28575">
+            <a:solidFill>
+              <a:srgbClr val="7030A0"/>
+            </a:solidFill>
+            <a:tailEnd type="triangle"/>
+          </a:ln>
+        </p:spPr>
+        <p:style>
+          <a:lnRef idx="1">
+            <a:schemeClr val="accent1"/>
+          </a:lnRef>
+          <a:fillRef idx="0">
+            <a:schemeClr val="accent1"/>
+          </a:fillRef>
+          <a:effectRef idx="0">
+            <a:schemeClr val="accent1"/>
+          </a:effectRef>
+          <a:fontRef idx="minor">
+            <a:schemeClr val="tx1"/>
+          </a:fontRef>
+        </p:style>
+      </p:cxnSp>
     </p:spTree>
     <p:extLst>
       <p:ext uri="{BB962C8B-B14F-4D97-AF65-F5344CB8AC3E}">
@@ -10453,7 +10468,7 @@
           <a:p>
             <a:r>
               <a:rPr lang="en-CA" altLang="zh-CN" dirty="0"/>
-              <a:t>Similar to single layer neural network in MATLAB with 150 neurons in hidden layer, ~95% Accuracy</a:t>
+              <a:t>Comparable to single layer neural network in MATLAB with 150 neurons in hidden layer, ~95% Accuracy</a:t>
             </a:r>
             <a:endParaRPr lang="zh-CN" altLang="en-US" dirty="0"/>
           </a:p>
